--- a/alexandra_pitch-stage1-v1.pptx
+++ b/alexandra_pitch-stage1-v1.pptx
@@ -5,16 +5,18 @@
     <p:sldMasterId id="2147483648" r:id="rId1"/>
   </p:sldMasterIdLst>
   <p:handoutMasterIdLst>
-    <p:handoutMasterId r:id="rId9"/>
+    <p:handoutMasterId r:id="rId11"/>
   </p:handoutMasterIdLst>
   <p:sldIdLst>
     <p:sldId id="260" r:id="rId2"/>
     <p:sldId id="257" r:id="rId3"/>
     <p:sldId id="264" r:id="rId4"/>
-    <p:sldId id="258" r:id="rId5"/>
-    <p:sldId id="259" r:id="rId6"/>
-    <p:sldId id="263" r:id="rId7"/>
-    <p:sldId id="261" r:id="rId8"/>
+    <p:sldId id="266" r:id="rId5"/>
+    <p:sldId id="258" r:id="rId6"/>
+    <p:sldId id="259" r:id="rId7"/>
+    <p:sldId id="263" r:id="rId8"/>
+    <p:sldId id="265" r:id="rId9"/>
+    <p:sldId id="261" r:id="rId10"/>
   </p:sldIdLst>
   <p:sldSz cx="12192000" cy="6858000"/>
   <p:notesSz cx="6858000" cy="9144000"/>
@@ -127,6 +129,7 @@
 <file path=ppt/revisionInfo.xml><?xml version="1.0" encoding="utf-8"?>
 <p1510:revInfo xmlns:a="http://schemas.openxmlformats.org/drawingml/2006/main" xmlns:r="http://schemas.openxmlformats.org/officeDocument/2006/relationships" xmlns:p1510="http://schemas.microsoft.com/office/powerpoint/2015/10/main">
   <p1510:revLst>
+    <p1510:client id="{76C77EDB-5F30-4197-A948-718A748DDD70}" v="73" dt="2021-11-10T12:45:13.819"/>
     <p1510:client id="{DAD7024A-FCF0-4DC2-A168-39452DB80521}" v="50" dt="2021-11-10T10:29:06.932"/>
   </p1510:revLst>
 </p1510:revInfo>
@@ -226,7 +229,7 @@
           <a:p>
             <a:fld id="{03571E88-1D74-47AB-8F45-0C410F3F0D7F}" type="datetimeFigureOut">
               <a:rPr lang="en-US" smtClean="0"/>
-              <a:t>11/10/2021</a:t>
+              <a:t>11/11/2021</a:t>
             </a:fld>
             <a:endParaRPr lang="en-US"/>
           </a:p>
@@ -557,7 +560,7 @@
           <a:p>
             <a:fld id="{B9AF1EE0-2BFF-4CDB-8F1C-9ABBFBF96F4C}" type="datetimeFigureOut">
               <a:rPr lang="en-US" smtClean="0"/>
-              <a:t>11/10/2021</a:t>
+              <a:t>11/11/2021</a:t>
             </a:fld>
             <a:endParaRPr lang="en-US"/>
           </a:p>
@@ -755,7 +758,7 @@
           <a:p>
             <a:fld id="{B9AF1EE0-2BFF-4CDB-8F1C-9ABBFBF96F4C}" type="datetimeFigureOut">
               <a:rPr lang="en-US" smtClean="0"/>
-              <a:t>11/10/2021</a:t>
+              <a:t>11/11/2021</a:t>
             </a:fld>
             <a:endParaRPr lang="en-US"/>
           </a:p>
@@ -963,7 +966,7 @@
           <a:p>
             <a:fld id="{B9AF1EE0-2BFF-4CDB-8F1C-9ABBFBF96F4C}" type="datetimeFigureOut">
               <a:rPr lang="en-US" smtClean="0"/>
-              <a:t>11/10/2021</a:t>
+              <a:t>11/11/2021</a:t>
             </a:fld>
             <a:endParaRPr lang="en-US"/>
           </a:p>
@@ -1075,13 +1078,13 @@
               </a:ext>
             </a:extLst>
           </a:blip>
-          <a:srcRect t="13433" b="18933"/>
+          <a:srcRect t="13434" b="9994"/>
           <a:stretch/>
         </p:blipFill>
         <p:spPr>
           <a:xfrm>
             <a:off x="0" y="1023582"/>
-            <a:ext cx="12192000" cy="5153381"/>
+            <a:ext cx="12192000" cy="5834418"/>
           </a:xfrm>
           <a:prstGeom prst="rect">
             <a:avLst/>
@@ -1111,7 +1114,7 @@
           <a:p>
             <a:fld id="{B9AF1EE0-2BFF-4CDB-8F1C-9ABBFBF96F4C}" type="datetimeFigureOut">
               <a:rPr lang="en-US" smtClean="0"/>
-              <a:t>11/10/2021</a:t>
+              <a:t>11/11/2021</a:t>
             </a:fld>
             <a:endParaRPr lang="en-US"/>
           </a:p>
@@ -1186,7 +1189,7 @@
         <p:spPr>
           <a:xfrm>
             <a:off x="0" y="1023581"/>
-            <a:ext cx="12192000" cy="5153381"/>
+            <a:ext cx="12192000" cy="5834419"/>
           </a:xfrm>
           <a:prstGeom prst="rect">
             <a:avLst/>
@@ -1530,7 +1533,7 @@
           <a:p>
             <a:fld id="{B9AF1EE0-2BFF-4CDB-8F1C-9ABBFBF96F4C}" type="datetimeFigureOut">
               <a:rPr lang="en-US" smtClean="0"/>
-              <a:t>11/10/2021</a:t>
+              <a:t>11/11/2021</a:t>
             </a:fld>
             <a:endParaRPr lang="en-US"/>
           </a:p>
@@ -1795,7 +1798,7 @@
           <a:p>
             <a:fld id="{B9AF1EE0-2BFF-4CDB-8F1C-9ABBFBF96F4C}" type="datetimeFigureOut">
               <a:rPr lang="en-US" smtClean="0"/>
-              <a:t>11/10/2021</a:t>
+              <a:t>11/11/2021</a:t>
             </a:fld>
             <a:endParaRPr lang="en-US"/>
           </a:p>
@@ -2207,7 +2210,7 @@
           <a:p>
             <a:fld id="{B9AF1EE0-2BFF-4CDB-8F1C-9ABBFBF96F4C}" type="datetimeFigureOut">
               <a:rPr lang="en-US" smtClean="0"/>
-              <a:t>11/10/2021</a:t>
+              <a:t>11/11/2021</a:t>
             </a:fld>
             <a:endParaRPr lang="en-US"/>
           </a:p>
@@ -2348,7 +2351,7 @@
           <a:p>
             <a:fld id="{B9AF1EE0-2BFF-4CDB-8F1C-9ABBFBF96F4C}" type="datetimeFigureOut">
               <a:rPr lang="en-US" smtClean="0"/>
-              <a:t>11/10/2021</a:t>
+              <a:t>11/11/2021</a:t>
             </a:fld>
             <a:endParaRPr lang="en-US"/>
           </a:p>
@@ -2461,7 +2464,7 @@
           <a:p>
             <a:fld id="{B9AF1EE0-2BFF-4CDB-8F1C-9ABBFBF96F4C}" type="datetimeFigureOut">
               <a:rPr lang="en-US" smtClean="0"/>
-              <a:t>11/10/2021</a:t>
+              <a:t>11/11/2021</a:t>
             </a:fld>
             <a:endParaRPr lang="en-US"/>
           </a:p>
@@ -2772,7 +2775,7 @@
           <a:p>
             <a:fld id="{B9AF1EE0-2BFF-4CDB-8F1C-9ABBFBF96F4C}" type="datetimeFigureOut">
               <a:rPr lang="en-US" smtClean="0"/>
-              <a:t>11/10/2021</a:t>
+              <a:t>11/11/2021</a:t>
             </a:fld>
             <a:endParaRPr lang="en-US"/>
           </a:p>
@@ -3060,7 +3063,7 @@
           <a:p>
             <a:fld id="{B9AF1EE0-2BFF-4CDB-8F1C-9ABBFBF96F4C}" type="datetimeFigureOut">
               <a:rPr lang="en-US" smtClean="0"/>
-              <a:t>11/10/2021</a:t>
+              <a:t>11/11/2021</a:t>
             </a:fld>
             <a:endParaRPr lang="en-US"/>
           </a:p>
@@ -3301,7 +3304,7 @@
           <a:p>
             <a:fld id="{B9AF1EE0-2BFF-4CDB-8F1C-9ABBFBF96F4C}" type="datetimeFigureOut">
               <a:rPr lang="en-US" smtClean="0"/>
-              <a:t>11/10/2021</a:t>
+              <a:t>11/11/2021</a:t>
             </a:fld>
             <a:endParaRPr lang="en-US"/>
           </a:p>
@@ -3718,6 +3721,125 @@
           <a:chExt cx="0" cy="0"/>
         </a:xfrm>
       </p:grpSpPr>
+      <p:pic>
+        <p:nvPicPr>
+          <p:cNvPr id="15" name="Picture 14">
+            <a:extLst>
+              <a:ext uri="{FF2B5EF4-FFF2-40B4-BE49-F238E27FC236}">
+                <a16:creationId xmlns:a16="http://schemas.microsoft.com/office/drawing/2014/main" id="{C1CFF04F-F98D-4848-8359-8424E394EEE7}"/>
+              </a:ext>
+            </a:extLst>
+          </p:cNvPr>
+          <p:cNvPicPr>
+            <a:picLocks noChangeAspect="1"/>
+          </p:cNvPicPr>
+          <p:nvPr/>
+        </p:nvPicPr>
+        <p:blipFill>
+          <a:blip r:embed="rId2">
+            <a:extLst>
+              <a:ext uri="{28A0092B-C50C-407E-A947-70E740481C1C}">
+                <a14:useLocalDpi xmlns:a14="http://schemas.microsoft.com/office/drawing/2010/main" val="0"/>
+              </a:ext>
+            </a:extLst>
+          </a:blip>
+          <a:stretch>
+            <a:fillRect/>
+          </a:stretch>
+        </p:blipFill>
+        <p:spPr>
+          <a:xfrm>
+            <a:off x="5353289" y="3547217"/>
+            <a:ext cx="1631646" cy="1631646"/>
+          </a:xfrm>
+          <a:prstGeom prst="rect">
+            <a:avLst/>
+          </a:prstGeom>
+        </p:spPr>
+      </p:pic>
+      <p:pic>
+        <p:nvPicPr>
+          <p:cNvPr id="1032" name="Picture 8">
+            <a:extLst>
+              <a:ext uri="{FF2B5EF4-FFF2-40B4-BE49-F238E27FC236}">
+                <a16:creationId xmlns:a16="http://schemas.microsoft.com/office/drawing/2014/main" id="{0DC2DCAD-91EE-43EB-9441-A60025792B39}"/>
+              </a:ext>
+            </a:extLst>
+          </p:cNvPr>
+          <p:cNvPicPr>
+            <a:picLocks noChangeAspect="1" noChangeArrowheads="1"/>
+          </p:cNvPicPr>
+          <p:nvPr/>
+        </p:nvPicPr>
+        <p:blipFill>
+          <a:blip r:embed="rId3">
+            <a:extLst>
+              <a:ext uri="{28A0092B-C50C-407E-A947-70E740481C1C}">
+                <a14:useLocalDpi xmlns:a14="http://schemas.microsoft.com/office/drawing/2010/main" val="0"/>
+              </a:ext>
+            </a:extLst>
+          </a:blip>
+          <a:srcRect/>
+          <a:stretch>
+            <a:fillRect/>
+          </a:stretch>
+        </p:blipFill>
+        <p:spPr bwMode="auto">
+          <a:xfrm>
+            <a:off x="83482" y="2633132"/>
+            <a:ext cx="2247342" cy="2562981"/>
+          </a:xfrm>
+          <a:prstGeom prst="rect">
+            <a:avLst/>
+          </a:prstGeom>
+          <a:noFill/>
+          <a:extLst>
+            <a:ext uri="{909E8E84-426E-40DD-AFC4-6F175D3DCCD1}">
+              <a14:hiddenFill xmlns:a14="http://schemas.microsoft.com/office/drawing/2010/main">
+                <a:solidFill>
+                  <a:srgbClr val="FFFFFF"/>
+                </a:solidFill>
+              </a14:hiddenFill>
+            </a:ext>
+          </a:extLst>
+        </p:spPr>
+      </p:pic>
+      <p:pic>
+        <p:nvPicPr>
+          <p:cNvPr id="7" name="Picture 6">
+            <a:extLst>
+              <a:ext uri="{FF2B5EF4-FFF2-40B4-BE49-F238E27FC236}">
+                <a16:creationId xmlns:a16="http://schemas.microsoft.com/office/drawing/2014/main" id="{1C014247-ADD7-4795-9545-E28D938D0DFC}"/>
+              </a:ext>
+            </a:extLst>
+          </p:cNvPr>
+          <p:cNvPicPr>
+            <a:picLocks noChangeAspect="1"/>
+          </p:cNvPicPr>
+          <p:nvPr/>
+        </p:nvPicPr>
+        <p:blipFill>
+          <a:blip r:embed="rId4">
+            <a:extLst>
+              <a:ext uri="{28A0092B-C50C-407E-A947-70E740481C1C}">
+                <a14:useLocalDpi xmlns:a14="http://schemas.microsoft.com/office/drawing/2010/main" val="0"/>
+              </a:ext>
+            </a:extLst>
+          </a:blip>
+          <a:stretch>
+            <a:fillRect/>
+          </a:stretch>
+        </p:blipFill>
+        <p:spPr>
+          <a:xfrm>
+            <a:off x="3134007" y="3719924"/>
+            <a:ext cx="1152381" cy="1476190"/>
+          </a:xfrm>
+          <a:prstGeom prst="rect">
+            <a:avLst/>
+          </a:prstGeom>
+        </p:spPr>
+      </p:pic>
       <p:sp>
         <p:nvSpPr>
           <p:cNvPr id="21" name="Rectangle 20">
@@ -3788,7 +3910,7 @@
         <p:spPr>
           <a:xfrm>
             <a:off x="0" y="2569029"/>
-            <a:ext cx="7257143" cy="1110403"/>
+            <a:ext cx="7257143" cy="2627085"/>
           </a:xfrm>
           <a:prstGeom prst="rect">
             <a:avLst/>
@@ -3845,7 +3967,7 @@
         </p:nvSpPr>
         <p:spPr>
           <a:xfrm>
-            <a:off x="323010" y="3185800"/>
+            <a:off x="134751" y="5199735"/>
             <a:ext cx="2205226" cy="768363"/>
           </a:xfrm>
         </p:spPr>
@@ -3974,13 +4096,13 @@
           <p:nvPr/>
         </p:nvPicPr>
         <p:blipFill>
-          <a:blip r:embed="rId2">
+          <a:blip r:embed="rId5">
             <a:extLst>
               <a:ext uri="{28A0092B-C50C-407E-A947-70E740481C1C}">
                 <a14:useLocalDpi xmlns:a14="http://schemas.microsoft.com/office/drawing/2010/main" val="0"/>
               </a:ext>
               <a:ext uri="{96DAC541-7B7A-43D3-8B79-37D633B846F1}">
-                <asvg:svgBlip xmlns:asvg="http://schemas.microsoft.com/office/drawing/2016/SVG/main" r:embed="rId3"/>
+                <asvg:svgBlip xmlns:asvg="http://schemas.microsoft.com/office/drawing/2016/SVG/main" r:embed="rId6"/>
               </a:ext>
             </a:extLst>
           </a:blip>
@@ -3990,7 +4112,7 @@
         </p:blipFill>
         <p:spPr>
           <a:xfrm rot="16200000">
-            <a:off x="8614788" y="-643402"/>
+            <a:off x="8593375" y="-649058"/>
             <a:ext cx="8788064" cy="6424862"/>
           </a:xfrm>
           <a:prstGeom prst="rect">
@@ -4000,10 +4122,10 @@
       </p:pic>
       <p:sp>
         <p:nvSpPr>
-          <p:cNvPr id="14" name="Rectangle 13">
-            <a:extLst>
-              <a:ext uri="{FF2B5EF4-FFF2-40B4-BE49-F238E27FC236}">
-                <a16:creationId xmlns:a16="http://schemas.microsoft.com/office/drawing/2014/main" id="{F6EAA116-2BE6-4719-A13C-00A39DE447EE}"/>
+          <p:cNvPr id="17" name="Rectangle 16">
+            <a:extLst>
+              <a:ext uri="{FF2B5EF4-FFF2-40B4-BE49-F238E27FC236}">
+                <a16:creationId xmlns:a16="http://schemas.microsoft.com/office/drawing/2014/main" id="{B13D5902-EF97-498A-8D47-E73C57D4B671}"/>
               </a:ext>
             </a:extLst>
           </p:cNvPr>
@@ -4012,17 +4134,19 @@
         </p:nvSpPr>
         <p:spPr>
           <a:xfrm>
-            <a:off x="478650" y="6164943"/>
-            <a:ext cx="219289" cy="667657"/>
+            <a:off x="572168" y="-1"/>
+            <a:ext cx="883978" cy="1110403"/>
           </a:xfrm>
           <a:prstGeom prst="rect">
             <a:avLst/>
           </a:prstGeom>
           <a:solidFill>
-            <a:srgbClr val="EE1C24"/>
+            <a:schemeClr val="bg1"/>
           </a:solidFill>
           <a:ln>
-            <a:noFill/>
+            <a:solidFill>
+              <a:schemeClr val="bg1"/>
+            </a:solidFill>
           </a:ln>
         </p:spPr>
         <p:style>
@@ -4050,12 +4174,48 @@
           </a:p>
         </p:txBody>
       </p:sp>
-      <p:sp>
-        <p:nvSpPr>
-          <p:cNvPr id="17" name="Rectangle 16">
-            <a:extLst>
-              <a:ext uri="{FF2B5EF4-FFF2-40B4-BE49-F238E27FC236}">
-                <a16:creationId xmlns:a16="http://schemas.microsoft.com/office/drawing/2014/main" id="{B13D5902-EF97-498A-8D47-E73C57D4B671}"/>
+      <p:pic>
+        <p:nvPicPr>
+          <p:cNvPr id="11" name="Picture 10">
+            <a:extLst>
+              <a:ext uri="{FF2B5EF4-FFF2-40B4-BE49-F238E27FC236}">
+                <a16:creationId xmlns:a16="http://schemas.microsoft.com/office/drawing/2014/main" id="{AFD4CD3D-17D6-4B7E-A5BC-1F51DE1A8B5C}"/>
+              </a:ext>
+            </a:extLst>
+          </p:cNvPr>
+          <p:cNvPicPr>
+            <a:picLocks noChangeAspect="1"/>
+          </p:cNvPicPr>
+          <p:nvPr/>
+        </p:nvPicPr>
+        <p:blipFill>
+          <a:blip r:embed="rId7">
+            <a:extLst>
+              <a:ext uri="{28A0092B-C50C-407E-A947-70E740481C1C}">
+                <a14:useLocalDpi xmlns:a14="http://schemas.microsoft.com/office/drawing/2010/main" val="0"/>
+              </a:ext>
+            </a:extLst>
+          </a:blip>
+          <a:stretch>
+            <a:fillRect/>
+          </a:stretch>
+        </p:blipFill>
+        <p:spPr>
+          <a:xfrm>
+            <a:off x="697939" y="404275"/>
+            <a:ext cx="632429" cy="585787"/>
+          </a:xfrm>
+          <a:prstGeom prst="rect">
+            <a:avLst/>
+          </a:prstGeom>
+        </p:spPr>
+      </p:pic>
+      <p:sp>
+        <p:nvSpPr>
+          <p:cNvPr id="16" name="Rectangle 15">
+            <a:extLst>
+              <a:ext uri="{FF2B5EF4-FFF2-40B4-BE49-F238E27FC236}">
+                <a16:creationId xmlns:a16="http://schemas.microsoft.com/office/drawing/2014/main" id="{AA6DF377-745A-4138-918B-A2AC5A1D1798}"/>
               </a:ext>
             </a:extLst>
           </p:cNvPr>
@@ -4063,19 +4223,19 @@
           <p:nvPr/>
         </p:nvSpPr>
         <p:spPr>
-          <a:xfrm>
-            <a:off x="572168" y="-1"/>
-            <a:ext cx="883978" cy="1110403"/>
+          <a:xfrm flipH="1">
+            <a:off x="572166" y="0"/>
+            <a:ext cx="883977" cy="250431"/>
           </a:xfrm>
           <a:prstGeom prst="rect">
             <a:avLst/>
           </a:prstGeom>
           <a:solidFill>
-            <a:schemeClr val="bg1"/>
+            <a:srgbClr val="FFD500"/>
           </a:solidFill>
           <a:ln>
             <a:solidFill>
-              <a:schemeClr val="bg1"/>
+              <a:srgbClr val="FFD500"/>
             </a:solidFill>
           </a:ln>
         </p:spPr>
@@ -4104,48 +4264,12 @@
           </a:p>
         </p:txBody>
       </p:sp>
-      <p:pic>
-        <p:nvPicPr>
-          <p:cNvPr id="11" name="Picture 10">
-            <a:extLst>
-              <a:ext uri="{FF2B5EF4-FFF2-40B4-BE49-F238E27FC236}">
-                <a16:creationId xmlns:a16="http://schemas.microsoft.com/office/drawing/2014/main" id="{AFD4CD3D-17D6-4B7E-A5BC-1F51DE1A8B5C}"/>
-              </a:ext>
-            </a:extLst>
-          </p:cNvPr>
-          <p:cNvPicPr>
-            <a:picLocks noChangeAspect="1"/>
-          </p:cNvPicPr>
-          <p:nvPr/>
-        </p:nvPicPr>
-        <p:blipFill>
-          <a:blip r:embed="rId4">
-            <a:extLst>
-              <a:ext uri="{28A0092B-C50C-407E-A947-70E740481C1C}">
-                <a14:useLocalDpi xmlns:a14="http://schemas.microsoft.com/office/drawing/2010/main" val="0"/>
-              </a:ext>
-            </a:extLst>
-          </a:blip>
-          <a:stretch>
-            <a:fillRect/>
-          </a:stretch>
-        </p:blipFill>
-        <p:spPr>
-          <a:xfrm>
-            <a:off x="697939" y="404275"/>
-            <a:ext cx="632429" cy="585787"/>
-          </a:xfrm>
-          <a:prstGeom prst="rect">
-            <a:avLst/>
-          </a:prstGeom>
-        </p:spPr>
-      </p:pic>
-      <p:sp>
-        <p:nvSpPr>
-          <p:cNvPr id="16" name="Rectangle 15">
-            <a:extLst>
-              <a:ext uri="{FF2B5EF4-FFF2-40B4-BE49-F238E27FC236}">
-                <a16:creationId xmlns:a16="http://schemas.microsoft.com/office/drawing/2014/main" id="{AA6DF377-745A-4138-918B-A2AC5A1D1798}"/>
+      <p:sp>
+        <p:nvSpPr>
+          <p:cNvPr id="2" name="Oval 1">
+            <a:extLst>
+              <a:ext uri="{FF2B5EF4-FFF2-40B4-BE49-F238E27FC236}">
+                <a16:creationId xmlns:a16="http://schemas.microsoft.com/office/drawing/2014/main" id="{ACEA75AA-847F-4BC8-BC6B-ED4CCAA7CEBF}"/>
               </a:ext>
             </a:extLst>
           </p:cNvPr>
@@ -4153,20 +4277,21 @@
           <p:nvPr/>
         </p:nvSpPr>
         <p:spPr>
-          <a:xfrm flipH="1">
-            <a:off x="572166" y="0"/>
-            <a:ext cx="883977" cy="250431"/>
-          </a:xfrm>
-          <a:prstGeom prst="rect">
+          <a:xfrm>
+            <a:off x="319577" y="3169634"/>
+            <a:ext cx="1882588" cy="1852279"/>
+          </a:xfrm>
+          <a:prstGeom prst="ellipse">
             <a:avLst/>
           </a:prstGeom>
           <a:solidFill>
-            <a:srgbClr val="FFD500"/>
+            <a:schemeClr val="bg1">
+              <a:lumMod val="95000"/>
+              <a:alpha val="7000"/>
+            </a:schemeClr>
           </a:solidFill>
           <a:ln>
-            <a:solidFill>
-              <a:srgbClr val="FFD500"/>
-            </a:solidFill>
+            <a:noFill/>
           </a:ln>
         </p:spPr>
         <p:style>
@@ -4190,7 +4315,117 @@
           <a:lstStyle/>
           <a:p>
             <a:pPr algn="ctr"/>
-            <a:endParaRPr lang="en-US"/>
+            <a:endParaRPr lang="en-ID"/>
+          </a:p>
+        </p:txBody>
+      </p:sp>
+      <p:sp>
+        <p:nvSpPr>
+          <p:cNvPr id="13" name="Oval 12">
+            <a:extLst>
+              <a:ext uri="{FF2B5EF4-FFF2-40B4-BE49-F238E27FC236}">
+                <a16:creationId xmlns:a16="http://schemas.microsoft.com/office/drawing/2014/main" id="{D47AF8FD-7FD9-4804-A683-7382FF6003D1}"/>
+              </a:ext>
+            </a:extLst>
+          </p:cNvPr>
+          <p:cNvSpPr/>
+          <p:nvPr/>
+        </p:nvSpPr>
+        <p:spPr>
+          <a:xfrm>
+            <a:off x="2753928" y="3169633"/>
+            <a:ext cx="1882588" cy="1852279"/>
+          </a:xfrm>
+          <a:prstGeom prst="ellipse">
+            <a:avLst/>
+          </a:prstGeom>
+          <a:solidFill>
+            <a:schemeClr val="bg1">
+              <a:lumMod val="95000"/>
+              <a:alpha val="7000"/>
+            </a:schemeClr>
+          </a:solidFill>
+          <a:ln>
+            <a:noFill/>
+          </a:ln>
+        </p:spPr>
+        <p:style>
+          <a:lnRef idx="2">
+            <a:schemeClr val="accent1">
+              <a:shade val="50000"/>
+            </a:schemeClr>
+          </a:lnRef>
+          <a:fillRef idx="1">
+            <a:schemeClr val="accent1"/>
+          </a:fillRef>
+          <a:effectRef idx="0">
+            <a:schemeClr val="accent1"/>
+          </a:effectRef>
+          <a:fontRef idx="minor">
+            <a:schemeClr val="lt1"/>
+          </a:fontRef>
+        </p:style>
+        <p:txBody>
+          <a:bodyPr rtlCol="0" anchor="ctr"/>
+          <a:lstStyle/>
+          <a:p>
+            <a:pPr algn="ctr"/>
+            <a:endParaRPr lang="en-ID"/>
+          </a:p>
+        </p:txBody>
+      </p:sp>
+      <p:sp>
+        <p:nvSpPr>
+          <p:cNvPr id="18" name="Oval 17">
+            <a:extLst>
+              <a:ext uri="{FF2B5EF4-FFF2-40B4-BE49-F238E27FC236}">
+                <a16:creationId xmlns:a16="http://schemas.microsoft.com/office/drawing/2014/main" id="{5E5358AD-F38B-4CBC-8E20-A121C528CEE2}"/>
+              </a:ext>
+            </a:extLst>
+          </p:cNvPr>
+          <p:cNvSpPr/>
+          <p:nvPr/>
+        </p:nvSpPr>
+        <p:spPr>
+          <a:xfrm>
+            <a:off x="5188279" y="3169636"/>
+            <a:ext cx="1882588" cy="1852279"/>
+          </a:xfrm>
+          <a:prstGeom prst="ellipse">
+            <a:avLst/>
+          </a:prstGeom>
+          <a:solidFill>
+            <a:schemeClr val="bg1">
+              <a:lumMod val="95000"/>
+              <a:alpha val="7000"/>
+            </a:schemeClr>
+          </a:solidFill>
+          <a:ln>
+            <a:noFill/>
+          </a:ln>
+        </p:spPr>
+        <p:style>
+          <a:lnRef idx="2">
+            <a:schemeClr val="accent1">
+              <a:shade val="50000"/>
+            </a:schemeClr>
+          </a:lnRef>
+          <a:fillRef idx="1">
+            <a:schemeClr val="accent1"/>
+          </a:fillRef>
+          <a:effectRef idx="0">
+            <a:schemeClr val="accent1"/>
+          </a:effectRef>
+          <a:fontRef idx="minor">
+            <a:schemeClr val="lt1"/>
+          </a:fontRef>
+        </p:style>
+        <p:txBody>
+          <a:bodyPr rtlCol="0" anchor="ctr"/>
+          <a:lstStyle/>
+          <a:p>
+            <a:pPr algn="ctr"/>
+            <a:endParaRPr lang="en-ID"/>
           </a:p>
         </p:txBody>
       </p:sp>
@@ -4210,7 +4445,7 @@
         </p:nvSpPr>
         <p:spPr>
           <a:xfrm>
-            <a:off x="2992006" y="3185800"/>
+            <a:off x="2803747" y="5199735"/>
             <a:ext cx="1782950" cy="768363"/>
           </a:xfrm>
           <a:prstGeom prst="rect">
@@ -4445,7 +4680,7 @@
         </p:nvSpPr>
         <p:spPr>
           <a:xfrm>
-            <a:off x="5595745" y="3190287"/>
+            <a:off x="5407486" y="5204222"/>
             <a:ext cx="1444173" cy="768363"/>
           </a:xfrm>
           <a:prstGeom prst="rect">
@@ -4648,6 +4883,159 @@
           </a:p>
         </p:txBody>
       </p:sp>
+      <p:pic>
+        <p:nvPicPr>
+          <p:cNvPr id="1026" name="Picture 2" descr="Flag of Indonesia - Wikipedia">
+            <a:extLst>
+              <a:ext uri="{FF2B5EF4-FFF2-40B4-BE49-F238E27FC236}">
+                <a16:creationId xmlns:a16="http://schemas.microsoft.com/office/drawing/2014/main" id="{7D6917A3-6A22-443D-B0A3-293DC92A4079}"/>
+              </a:ext>
+            </a:extLst>
+          </p:cNvPr>
+          <p:cNvPicPr>
+            <a:picLocks noChangeAspect="1" noChangeArrowheads="1"/>
+          </p:cNvPicPr>
+          <p:nvPr/>
+        </p:nvPicPr>
+        <p:blipFill rotWithShape="1">
+          <a:blip r:embed="rId8">
+            <a:extLst>
+              <a:ext uri="{28A0092B-C50C-407E-A947-70E740481C1C}">
+                <a14:useLocalDpi xmlns:a14="http://schemas.microsoft.com/office/drawing/2010/main" val="0"/>
+              </a:ext>
+            </a:extLst>
+          </a:blip>
+          <a:srcRect r="-210"/>
+          <a:stretch/>
+        </p:blipFill>
+        <p:spPr bwMode="auto">
+          <a:xfrm>
+            <a:off x="11692467" y="-16096"/>
+            <a:ext cx="499533" cy="332325"/>
+          </a:xfrm>
+          <a:prstGeom prst="rect">
+            <a:avLst/>
+          </a:prstGeom>
+          <a:noFill/>
+          <a:extLst>
+            <a:ext uri="{909E8E84-426E-40DD-AFC4-6F175D3DCCD1}">
+              <a14:hiddenFill xmlns:a14="http://schemas.microsoft.com/office/drawing/2010/main">
+                <a:solidFill>
+                  <a:srgbClr val="FFFFFF"/>
+                </a:solidFill>
+              </a14:hiddenFill>
+            </a:ext>
+          </a:extLst>
+        </p:spPr>
+      </p:pic>
+      <p:pic>
+        <p:nvPicPr>
+          <p:cNvPr id="23" name="Picture 22">
+            <a:extLst>
+              <a:ext uri="{FF2B5EF4-FFF2-40B4-BE49-F238E27FC236}">
+                <a16:creationId xmlns:a16="http://schemas.microsoft.com/office/drawing/2014/main" id="{2A720A8E-C0CF-48DD-BD6D-04C5CC4EE4CC}"/>
+              </a:ext>
+            </a:extLst>
+          </p:cNvPr>
+          <p:cNvPicPr>
+            <a:picLocks noChangeAspect="1"/>
+          </p:cNvPicPr>
+          <p:nvPr/>
+        </p:nvPicPr>
+        <p:blipFill>
+          <a:blip r:embed="rId9">
+            <a:extLst>
+              <a:ext uri="{28A0092B-C50C-407E-A947-70E740481C1C}">
+                <a14:useLocalDpi xmlns:a14="http://schemas.microsoft.com/office/drawing/2010/main" val="0"/>
+              </a:ext>
+            </a:extLst>
+          </a:blip>
+          <a:stretch>
+            <a:fillRect/>
+          </a:stretch>
+        </p:blipFill>
+        <p:spPr>
+          <a:xfrm>
+            <a:off x="-111864" y="2696024"/>
+            <a:ext cx="2376827" cy="4221245"/>
+          </a:xfrm>
+          <a:prstGeom prst="rect">
+            <a:avLst/>
+          </a:prstGeom>
+        </p:spPr>
+      </p:pic>
+      <p:pic>
+        <p:nvPicPr>
+          <p:cNvPr id="25" name="Picture 24">
+            <a:extLst>
+              <a:ext uri="{FF2B5EF4-FFF2-40B4-BE49-F238E27FC236}">
+                <a16:creationId xmlns:a16="http://schemas.microsoft.com/office/drawing/2014/main" id="{DE78DEA9-B0CC-4C5B-B348-D625DC34BADD}"/>
+              </a:ext>
+            </a:extLst>
+          </p:cNvPr>
+          <p:cNvPicPr>
+            <a:picLocks noChangeAspect="1"/>
+          </p:cNvPicPr>
+          <p:nvPr/>
+        </p:nvPicPr>
+        <p:blipFill>
+          <a:blip r:embed="rId10">
+            <a:extLst>
+              <a:ext uri="{28A0092B-C50C-407E-A947-70E740481C1C}">
+                <a14:useLocalDpi xmlns:a14="http://schemas.microsoft.com/office/drawing/2010/main" val="0"/>
+              </a:ext>
+            </a:extLst>
+          </a:blip>
+          <a:stretch>
+            <a:fillRect/>
+          </a:stretch>
+        </p:blipFill>
+        <p:spPr>
+          <a:xfrm>
+            <a:off x="5350824" y="3547217"/>
+            <a:ext cx="1631646" cy="1631646"/>
+          </a:xfrm>
+          <a:prstGeom prst="rect">
+            <a:avLst/>
+          </a:prstGeom>
+        </p:spPr>
+      </p:pic>
+      <p:pic>
+        <p:nvPicPr>
+          <p:cNvPr id="27" name="Picture 26">
+            <a:extLst>
+              <a:ext uri="{FF2B5EF4-FFF2-40B4-BE49-F238E27FC236}">
+                <a16:creationId xmlns:a16="http://schemas.microsoft.com/office/drawing/2014/main" id="{E1B8DC15-804D-4BF2-A238-2653F27920BE}"/>
+              </a:ext>
+            </a:extLst>
+          </p:cNvPr>
+          <p:cNvPicPr>
+            <a:picLocks noChangeAspect="1"/>
+          </p:cNvPicPr>
+          <p:nvPr/>
+        </p:nvPicPr>
+        <p:blipFill>
+          <a:blip r:embed="rId11">
+            <a:extLst>
+              <a:ext uri="{28A0092B-C50C-407E-A947-70E740481C1C}">
+                <a14:useLocalDpi xmlns:a14="http://schemas.microsoft.com/office/drawing/2010/main" val="0"/>
+              </a:ext>
+            </a:extLst>
+          </a:blip>
+          <a:stretch>
+            <a:fillRect/>
+          </a:stretch>
+        </p:blipFill>
+        <p:spPr>
+          <a:xfrm>
+            <a:off x="3082053" y="3736858"/>
+            <a:ext cx="1257143" cy="1438095"/>
+          </a:xfrm>
+          <a:prstGeom prst="rect">
+            <a:avLst/>
+          </a:prstGeom>
+        </p:spPr>
+      </p:pic>
     </p:spTree>
     <p:extLst>
       <p:ext uri="{BB962C8B-B14F-4D97-AF65-F5344CB8AC3E}">
@@ -4782,7 +5170,7 @@
         <p:spPr>
           <a:xfrm>
             <a:off x="232040" y="1497026"/>
-            <a:ext cx="11652074" cy="3785652"/>
+            <a:ext cx="9499789" cy="3400931"/>
           </a:xfrm>
           <a:prstGeom prst="rect">
             <a:avLst/>
@@ -4796,7 +5184,7 @@
           <a:lstStyle/>
           <a:p>
             <a:r>
-              <a:rPr lang="en-US" sz="2400" dirty="0"/>
+              <a:rPr lang="en-US" sz="2000" dirty="0"/>
               <a:t>The dataset comprises of a whole year of weather data in two forms:</a:t>
             </a:r>
           </a:p>
@@ -4806,8 +5194,12 @@
               <a:buChar char="-"/>
             </a:pPr>
             <a:r>
-              <a:rPr lang="en-US" sz="2400" dirty="0"/>
-              <a:t>Weather data:      Interval 1 min (22896000 rows), including the target feature</a:t>
+              <a:rPr lang="en-US" sz="2000" dirty="0"/>
+              <a:t>Weather data:      </a:t>
+            </a:r>
+            <a:r>
+              <a:rPr lang="en-US" sz="1900" dirty="0"/>
+              <a:t>Interval 1 min (22896000 rows), including the target feature</a:t>
             </a:r>
           </a:p>
           <a:p>
@@ -4816,51 +5208,53 @@
               <a:buChar char="-"/>
             </a:pPr>
             <a:r>
-              <a:rPr lang="en-US" sz="2400" dirty="0"/>
-              <a:t>Sky camera data: Image data with 10 mins interval and  available only during</a:t>
-            </a:r>
-          </a:p>
-          <a:p>
-            <a:r>
-              <a:rPr lang="en-US" sz="2400" dirty="0"/>
-              <a:t>                                     day time</a:t>
-            </a:r>
-          </a:p>
-          <a:p>
-            <a:endParaRPr lang="en-US" sz="2400" dirty="0"/>
-          </a:p>
-          <a:p>
-            <a:r>
-              <a:rPr lang="en-US" sz="2400" dirty="0"/>
-              <a:t>We were asked to predict the total cloud cover percentage (TCC%)  (available in</a:t>
-            </a:r>
-          </a:p>
-          <a:p>
-            <a:r>
-              <a:rPr lang="en-US" sz="2400" dirty="0"/>
-              <a:t>weather data) for the 4 upcoming 30-min intervals. The dataset is mostly clean</a:t>
-            </a:r>
-          </a:p>
-          <a:p>
-            <a:r>
-              <a:rPr lang="en-US" sz="2400" dirty="0"/>
-              <a:t>with no </a:t>
-            </a:r>
-            <a:r>
-              <a:rPr lang="en-US" sz="2400" dirty="0" err="1"/>
+              <a:rPr lang="en-US" sz="2000" dirty="0"/>
+              <a:t>Sky camera data: </a:t>
+            </a:r>
+            <a:r>
+              <a:rPr lang="en-US" sz="1900" dirty="0"/>
+              <a:t>Image data with 10 mins interval and  available only during</a:t>
+            </a:r>
+          </a:p>
+          <a:p>
+            <a:r>
+              <a:rPr lang="en-US" sz="1900" dirty="0"/>
+              <a:t>                                          day time</a:t>
+            </a:r>
+          </a:p>
+          <a:p>
+            <a:endParaRPr lang="en-US" sz="2000" dirty="0"/>
+          </a:p>
+          <a:p>
+            <a:r>
+              <a:rPr lang="en-US" sz="1900" dirty="0"/>
+              <a:t>We were asked to predict the total cloud cover percentage (TCC%)  (available in weather data) for the 4 upcoming 30-min intervals. The dataset is mostly clean with no </a:t>
+            </a:r>
+            <a:r>
+              <a:rPr lang="en-US" sz="1900" dirty="0" err="1"/>
               <a:t>NaNs</a:t>
             </a:r>
             <a:r>
-              <a:rPr lang="en-US" sz="2400" dirty="0"/>
-              <a:t>, the only problems, besides that the very huge dataset, are that TCC%</a:t>
-            </a:r>
-          </a:p>
-          <a:p>
-            <a:r>
-              <a:rPr lang="en-US" sz="2400" dirty="0"/>
-              <a:t> consists of negative values: -1 for night time TCC% values and -7999 presumably for the times the sensor fails to read the data.</a:t>
-            </a:r>
-            <a:endParaRPr lang="en-US" sz="2800" dirty="0"/>
+              <a:rPr lang="en-US" sz="1900" dirty="0"/>
+              <a:t>, the only problems, besides that the very huge dataset, are that TCC%  consists of negative values: -1 for night time TCC% values and -7999 presumably for the times the sensor fails to read the data.</a:t>
+            </a:r>
+          </a:p>
+          <a:p>
+            <a:endParaRPr lang="en-US" sz="2000" dirty="0"/>
+          </a:p>
+          <a:p>
+            <a:r>
+              <a:rPr lang="en-US" sz="1900" dirty="0"/>
+              <a:t>During the development for stage 1, we utilize only the </a:t>
+            </a:r>
+            <a:r>
+              <a:rPr lang="en-US" sz="1900" b="1" dirty="0"/>
+              <a:t>weather data</a:t>
+            </a:r>
+            <a:r>
+              <a:rPr lang="en-US" sz="1900" dirty="0"/>
+              <a:t>.</a:t>
+            </a:r>
           </a:p>
         </p:txBody>
       </p:sp>
@@ -5338,92 +5732,6 @@
           </a:p>
         </p:txBody>
       </p:sp>
-      <p:sp>
-        <p:nvSpPr>
-          <p:cNvPr id="18" name="TextBox 17">
-            <a:extLst>
-              <a:ext uri="{FF2B5EF4-FFF2-40B4-BE49-F238E27FC236}">
-                <a16:creationId xmlns:a16="http://schemas.microsoft.com/office/drawing/2014/main" id="{22359A84-A9E2-4FE5-B826-31222869703C}"/>
-              </a:ext>
-            </a:extLst>
-          </p:cNvPr>
-          <p:cNvSpPr txBox="1"/>
-          <p:nvPr/>
-        </p:nvSpPr>
-        <p:spPr>
-          <a:xfrm>
-            <a:off x="212625" y="1343990"/>
-            <a:ext cx="11766749" cy="4893647"/>
-          </a:xfrm>
-          <a:prstGeom prst="rect">
-            <a:avLst/>
-          </a:prstGeom>
-          <a:noFill/>
-        </p:spPr>
-        <p:txBody>
-          <a:bodyPr wrap="square" rtlCol="0">
-            <a:spAutoFit/>
-          </a:bodyPr>
-          <a:lstStyle/>
-          <a:p>
-            <a:r>
-              <a:rPr lang="en-US" sz="2400" dirty="0"/>
-              <a:t>Hence, the preprocessing we did was:</a:t>
-            </a:r>
-          </a:p>
-          <a:p>
-            <a:pPr marL="457200" indent="-457200">
-              <a:buFontTx/>
-              <a:buChar char="-"/>
-            </a:pPr>
-            <a:r>
-              <a:rPr lang="en-US" sz="2400" dirty="0"/>
-              <a:t>Resample the dataset by averaging some number of data points. For the final models, the number is decided</a:t>
-            </a:r>
-          </a:p>
-          <a:p>
-            <a:r>
-              <a:rPr lang="en-US" sz="2400" dirty="0"/>
-              <a:t>      to be 2, where the accuracy is best (compared to some bigger numbers—less data) but with training time not exceeding a day work.</a:t>
-            </a:r>
-          </a:p>
-          <a:p>
-            <a:pPr marL="457200" indent="-457200">
-              <a:buFontTx/>
-              <a:buChar char="-"/>
-            </a:pPr>
-            <a:r>
-              <a:rPr lang="en-US" sz="2400" dirty="0"/>
-              <a:t>After reviewing the test set, we find that there is very little -1 TCC% values on them</a:t>
-            </a:r>
-          </a:p>
-          <a:p>
-            <a:r>
-              <a:rPr lang="en-US" sz="2400" dirty="0"/>
-              <a:t>      so in order to further shrink the dataset, we decide to remove the data points with -1 TCC% values from the dataset.</a:t>
-            </a:r>
-          </a:p>
-          <a:p>
-            <a:pPr marL="457200" indent="-457200">
-              <a:buFontTx/>
-              <a:buChar char="-"/>
-            </a:pPr>
-            <a:r>
-              <a:rPr lang="en-US" sz="2400" dirty="0"/>
-              <a:t>Replacing the -7999 values with the average of the previous and next non-negative values to remove what we deem as outliers.</a:t>
-            </a:r>
-          </a:p>
-          <a:p>
-            <a:endParaRPr lang="en-US" sz="2400" dirty="0"/>
-          </a:p>
-          <a:p>
-            <a:r>
-              <a:rPr lang="en-US" sz="2400" dirty="0"/>
-              <a:t>Our team solely uses the dataset provided by the committee and it has no license that we know of.</a:t>
-            </a:r>
-          </a:p>
-        </p:txBody>
-      </p:sp>
       <p:pic>
         <p:nvPicPr>
           <p:cNvPr id="19" name="Picture 18">
@@ -5779,10 +6087,277 @@
           </a:p>
         </p:txBody>
       </p:sp>
+      <p:sp>
+        <p:nvSpPr>
+          <p:cNvPr id="14" name="TextBox 13">
+            <a:extLst>
+              <a:ext uri="{FF2B5EF4-FFF2-40B4-BE49-F238E27FC236}">
+                <a16:creationId xmlns:a16="http://schemas.microsoft.com/office/drawing/2014/main" id="{3DA4BFBF-8B42-450A-A7E3-129946923F90}"/>
+              </a:ext>
+            </a:extLst>
+          </p:cNvPr>
+          <p:cNvSpPr txBox="1"/>
+          <p:nvPr/>
+        </p:nvSpPr>
+        <p:spPr>
+          <a:xfrm>
+            <a:off x="396792" y="1248170"/>
+            <a:ext cx="10771198" cy="1015663"/>
+          </a:xfrm>
+          <a:prstGeom prst="rect">
+            <a:avLst/>
+          </a:prstGeom>
+          <a:noFill/>
+        </p:spPr>
+        <p:txBody>
+          <a:bodyPr wrap="square">
+            <a:spAutoFit/>
+          </a:bodyPr>
+          <a:lstStyle/>
+          <a:p>
+            <a:r>
+              <a:rPr lang="en-US" sz="2000" dirty="0"/>
+              <a:t>The dataset comprises of a whole year of weather data in two forms:</a:t>
+            </a:r>
+          </a:p>
+          <a:p>
+            <a:pPr marL="342900" indent="-342900">
+              <a:buFont typeface="+mj-lt"/>
+              <a:buAutoNum type="arabicPeriod"/>
+            </a:pPr>
+            <a:r>
+              <a:rPr lang="en-US" sz="2000" b="1" dirty="0"/>
+              <a:t>Weather data</a:t>
+            </a:r>
+            <a:r>
+              <a:rPr lang="en-US" sz="2000" dirty="0"/>
+              <a:t>: 1 min interval (22.9M rows), including the target feature</a:t>
+            </a:r>
+          </a:p>
+          <a:p>
+            <a:pPr marL="342900" indent="-342900">
+              <a:buFont typeface="+mj-lt"/>
+              <a:buAutoNum type="arabicPeriod"/>
+            </a:pPr>
+            <a:r>
+              <a:rPr lang="en-US" sz="2000" b="1" dirty="0"/>
+              <a:t>Sky camera data</a:t>
+            </a:r>
+            <a:r>
+              <a:rPr lang="en-US" sz="2000" dirty="0"/>
+              <a:t>: Image data with 10 mins interval and available only during daytime</a:t>
+            </a:r>
+          </a:p>
+        </p:txBody>
+      </p:sp>
+      <p:sp>
+        <p:nvSpPr>
+          <p:cNvPr id="5" name="TextBox 4">
+            <a:extLst>
+              <a:ext uri="{FF2B5EF4-FFF2-40B4-BE49-F238E27FC236}">
+                <a16:creationId xmlns:a16="http://schemas.microsoft.com/office/drawing/2014/main" id="{473EE6A1-0D84-4FD2-BF38-A57A5F039EFC}"/>
+              </a:ext>
+            </a:extLst>
+          </p:cNvPr>
+          <p:cNvSpPr txBox="1"/>
+          <p:nvPr/>
+        </p:nvSpPr>
+        <p:spPr>
+          <a:xfrm>
+            <a:off x="396792" y="2453970"/>
+            <a:ext cx="2261645" cy="400110"/>
+          </a:xfrm>
+          <a:prstGeom prst="rect">
+            <a:avLst/>
+          </a:prstGeom>
+          <a:noFill/>
+        </p:spPr>
+        <p:txBody>
+          <a:bodyPr wrap="none" rtlCol="0">
+            <a:spAutoFit/>
+          </a:bodyPr>
+          <a:lstStyle/>
+          <a:p>
+            <a:r>
+              <a:rPr lang="en-US" sz="2000" b="1" dirty="0"/>
+              <a:t>Data characteristics</a:t>
+            </a:r>
+          </a:p>
+        </p:txBody>
+      </p:sp>
+      <p:sp>
+        <p:nvSpPr>
+          <p:cNvPr id="25" name="TextBox 24">
+            <a:extLst>
+              <a:ext uri="{FF2B5EF4-FFF2-40B4-BE49-F238E27FC236}">
+                <a16:creationId xmlns:a16="http://schemas.microsoft.com/office/drawing/2014/main" id="{C3B416E6-9B3D-4BFE-89C7-0A8218FC0425}"/>
+              </a:ext>
+            </a:extLst>
+          </p:cNvPr>
+          <p:cNvSpPr txBox="1"/>
+          <p:nvPr/>
+        </p:nvSpPr>
+        <p:spPr>
+          <a:xfrm>
+            <a:off x="486998" y="4318241"/>
+            <a:ext cx="11018304" cy="2246769"/>
+          </a:xfrm>
+          <a:prstGeom prst="rect">
+            <a:avLst/>
+          </a:prstGeom>
+          <a:noFill/>
+        </p:spPr>
+        <p:txBody>
+          <a:bodyPr wrap="square">
+            <a:spAutoFit/>
+          </a:bodyPr>
+          <a:lstStyle/>
+          <a:p>
+            <a:pPr marL="457200" indent="-457200">
+              <a:buFont typeface="Wingdings" panose="05000000000000000000" pitchFamily="2" charset="2"/>
+              <a:buChar char="§"/>
+            </a:pPr>
+            <a:r>
+              <a:rPr lang="en-US" sz="2000" dirty="0"/>
+              <a:t>Resample the dataset by averaging some number of data points. For the final models, the number is decided to be 2, where the accuracy is best (compared to some bigger numbers—less data) but with training time not exceeding a day work</a:t>
+            </a:r>
+          </a:p>
+          <a:p>
+            <a:pPr marL="457200" indent="-457200">
+              <a:buFont typeface="Wingdings" panose="05000000000000000000" pitchFamily="2" charset="2"/>
+              <a:buChar char="§"/>
+            </a:pPr>
+            <a:r>
+              <a:rPr lang="en-US" sz="2000" dirty="0"/>
+              <a:t>Remove nighttime records </a:t>
+            </a:r>
+            <a:r>
+              <a:rPr lang="en-US" sz="2000" b="1" dirty="0"/>
+              <a:t>(TCC% = -1)</a:t>
+            </a:r>
+            <a:r>
+              <a:rPr lang="en-US" sz="2000" dirty="0"/>
+              <a:t> from the training dataset since the test dataset has negligible amount of nighttime data</a:t>
+            </a:r>
+          </a:p>
+          <a:p>
+            <a:pPr marL="457200" indent="-457200">
+              <a:buFont typeface="Wingdings" panose="05000000000000000000" pitchFamily="2" charset="2"/>
+              <a:buChar char="§"/>
+            </a:pPr>
+            <a:r>
+              <a:rPr lang="en-US" sz="2000" dirty="0"/>
+              <a:t>Replacing outlier records </a:t>
+            </a:r>
+            <a:r>
+              <a:rPr lang="en-US" sz="2000" b="1" dirty="0"/>
+              <a:t>(TCC% = -7999) </a:t>
+            </a:r>
+            <a:r>
+              <a:rPr lang="en-US" sz="2000" dirty="0"/>
+              <a:t>with the average of the previous and next non-negative values</a:t>
+            </a:r>
+          </a:p>
+        </p:txBody>
+      </p:sp>
+      <p:sp>
+        <p:nvSpPr>
+          <p:cNvPr id="16" name="TextBox 15">
+            <a:extLst>
+              <a:ext uri="{FF2B5EF4-FFF2-40B4-BE49-F238E27FC236}">
+                <a16:creationId xmlns:a16="http://schemas.microsoft.com/office/drawing/2014/main" id="{EC86E316-A7F0-4FA1-95A8-68EF9098C048}"/>
+              </a:ext>
+            </a:extLst>
+          </p:cNvPr>
+          <p:cNvSpPr txBox="1"/>
+          <p:nvPr/>
+        </p:nvSpPr>
+        <p:spPr>
+          <a:xfrm>
+            <a:off x="396792" y="3877835"/>
+            <a:ext cx="2121478" cy="400110"/>
+          </a:xfrm>
+          <a:prstGeom prst="rect">
+            <a:avLst/>
+          </a:prstGeom>
+          <a:noFill/>
+        </p:spPr>
+        <p:txBody>
+          <a:bodyPr wrap="none" rtlCol="0">
+            <a:spAutoFit/>
+          </a:bodyPr>
+          <a:lstStyle/>
+          <a:p>
+            <a:r>
+              <a:rPr lang="en-US" sz="2000" b="1" dirty="0"/>
+              <a:t>The preprocessing</a:t>
+            </a:r>
+          </a:p>
+        </p:txBody>
+      </p:sp>
+      <p:sp>
+        <p:nvSpPr>
+          <p:cNvPr id="28" name="TextBox 27">
+            <a:extLst>
+              <a:ext uri="{FF2B5EF4-FFF2-40B4-BE49-F238E27FC236}">
+                <a16:creationId xmlns:a16="http://schemas.microsoft.com/office/drawing/2014/main" id="{0F05FC9E-2B04-428E-A830-5D6E3E4E0DF3}"/>
+              </a:ext>
+            </a:extLst>
+          </p:cNvPr>
+          <p:cNvSpPr txBox="1"/>
+          <p:nvPr/>
+        </p:nvSpPr>
+        <p:spPr>
+          <a:xfrm>
+            <a:off x="486998" y="2821876"/>
+            <a:ext cx="11162779" cy="1015663"/>
+          </a:xfrm>
+          <a:prstGeom prst="rect">
+            <a:avLst/>
+          </a:prstGeom>
+          <a:noFill/>
+        </p:spPr>
+        <p:txBody>
+          <a:bodyPr wrap="square">
+            <a:spAutoFit/>
+          </a:bodyPr>
+          <a:lstStyle/>
+          <a:p>
+            <a:pPr marL="285750" indent="-285750">
+              <a:buFont typeface="Wingdings" panose="05000000000000000000" pitchFamily="2" charset="2"/>
+              <a:buChar char="§"/>
+            </a:pPr>
+            <a:r>
+              <a:rPr lang="en-US" sz="2000" dirty="0"/>
+              <a:t>No null values</a:t>
+            </a:r>
+          </a:p>
+          <a:p>
+            <a:pPr marL="285750" indent="-285750">
+              <a:buFont typeface="Wingdings" panose="05000000000000000000" pitchFamily="2" charset="2"/>
+              <a:buChar char="§"/>
+            </a:pPr>
+            <a:r>
+              <a:rPr lang="en-US" sz="2000" dirty="0"/>
+              <a:t>TCC% consists of negative values: -1 for night time</a:t>
+            </a:r>
+          </a:p>
+          <a:p>
+            <a:pPr marL="285750" indent="-285750">
+              <a:buFont typeface="Wingdings" panose="05000000000000000000" pitchFamily="2" charset="2"/>
+              <a:buChar char="§"/>
+            </a:pPr>
+            <a:r>
+              <a:rPr lang="en-US" sz="2000" dirty="0"/>
+              <a:t>Presumably for the times the measurement failed the TCC% value is -7999</a:t>
+            </a:r>
+          </a:p>
+        </p:txBody>
+      </p:sp>
     </p:spTree>
     <p:extLst>
       <p:ext uri="{BB962C8B-B14F-4D97-AF65-F5344CB8AC3E}">
-        <p14:creationId xmlns:p14="http://schemas.microsoft.com/office/powerpoint/2010/main" val="165247382"/>
+        <p14:creationId xmlns:p14="http://schemas.microsoft.com/office/powerpoint/2010/main" val="1091133977"/>
       </p:ext>
     </p:extLst>
   </p:cSld>
@@ -5814,7 +6389,7 @@
           <p:cNvPr id="2" name="Title 1">
             <a:extLst>
               <a:ext uri="{FF2B5EF4-FFF2-40B4-BE49-F238E27FC236}">
-                <a16:creationId xmlns:a16="http://schemas.microsoft.com/office/drawing/2014/main" id="{7577126C-DFF9-4006-A194-2803291040CB}"/>
+                <a16:creationId xmlns:a16="http://schemas.microsoft.com/office/drawing/2014/main" id="{E43DD7B3-38B2-4DBD-BC0E-2C7638D84EC5}"/>
               </a:ext>
             </a:extLst>
           </p:cNvPr>
@@ -5827,60 +6402,29 @@
         </p:nvSpPr>
         <p:spPr>
           <a:xfrm>
-            <a:off x="174171" y="0"/>
-            <a:ext cx="10515600" cy="1160917"/>
+            <a:off x="174171" y="302824"/>
+            <a:ext cx="10515600" cy="585787"/>
           </a:xfrm>
         </p:spPr>
         <p:txBody>
           <a:bodyPr>
-            <a:normAutofit/>
+            <a:normAutofit fontScale="90000"/>
           </a:bodyPr>
           <a:lstStyle/>
           <a:p>
             <a:r>
-              <a:rPr lang="en-US" sz="4000" dirty="0"/>
-              <a:t>Existing/pre-existing work</a:t>
-            </a:r>
-          </a:p>
-        </p:txBody>
-      </p:sp>
-      <p:sp>
-        <p:nvSpPr>
-          <p:cNvPr id="3" name="Content Placeholder 2">
-            <a:extLst>
-              <a:ext uri="{FF2B5EF4-FFF2-40B4-BE49-F238E27FC236}">
-                <a16:creationId xmlns:a16="http://schemas.microsoft.com/office/drawing/2014/main" id="{C3A34A5B-737C-42E3-9D00-EDCFD38A6B2D}"/>
-              </a:ext>
-            </a:extLst>
-          </p:cNvPr>
-          <p:cNvSpPr>
-            <a:spLocks noGrp="1"/>
-          </p:cNvSpPr>
-          <p:nvPr>
-            <p:ph idx="1"/>
-          </p:nvPr>
-        </p:nvSpPr>
-        <p:spPr/>
-        <p:txBody>
-          <a:bodyPr/>
-          <a:lstStyle/>
-          <a:p>
-            <a:pPr marL="0" indent="0">
-              <a:buNone/>
-            </a:pPr>
-            <a:r>
               <a:rPr lang="en-US" dirty="0"/>
-              <a:t>Our team did not encounter any other work similar work and thus did the work without any reference in mind.</a:t>
-            </a:r>
-          </a:p>
-        </p:txBody>
-      </p:sp>
-      <p:sp>
-        <p:nvSpPr>
-          <p:cNvPr id="4" name="Rectangle 3">
-            <a:extLst>
-              <a:ext uri="{FF2B5EF4-FFF2-40B4-BE49-F238E27FC236}">
-                <a16:creationId xmlns:a16="http://schemas.microsoft.com/office/drawing/2014/main" id="{A8478BEB-D58A-4D8B-B09A-35D3187CB172}"/>
+              <a:t>Dataset details</a:t>
+            </a:r>
+          </a:p>
+        </p:txBody>
+      </p:sp>
+      <p:sp>
+        <p:nvSpPr>
+          <p:cNvPr id="13" name="Rectangle 12">
+            <a:extLst>
+              <a:ext uri="{FF2B5EF4-FFF2-40B4-BE49-F238E27FC236}">
+                <a16:creationId xmlns:a16="http://schemas.microsoft.com/office/drawing/2014/main" id="{AAB9757B-56AC-46BA-B260-8CD1E8694EA5}"/>
               </a:ext>
             </a:extLst>
           </p:cNvPr>
@@ -5931,10 +6475,127 @@
       </p:sp>
       <p:sp>
         <p:nvSpPr>
-          <p:cNvPr id="5" name="Rectangle 4">
-            <a:extLst>
-              <a:ext uri="{FF2B5EF4-FFF2-40B4-BE49-F238E27FC236}">
-                <a16:creationId xmlns:a16="http://schemas.microsoft.com/office/drawing/2014/main" id="{3A7051B6-5518-4602-9A66-8FE5DF3BFE49}"/>
+          <p:cNvPr id="18" name="TextBox 17">
+            <a:extLst>
+              <a:ext uri="{FF2B5EF4-FFF2-40B4-BE49-F238E27FC236}">
+                <a16:creationId xmlns:a16="http://schemas.microsoft.com/office/drawing/2014/main" id="{22359A84-A9E2-4FE5-B826-31222869703C}"/>
+              </a:ext>
+            </a:extLst>
+          </p:cNvPr>
+          <p:cNvSpPr txBox="1"/>
+          <p:nvPr/>
+        </p:nvSpPr>
+        <p:spPr>
+          <a:xfrm>
+            <a:off x="232041" y="1497026"/>
+            <a:ext cx="9499788" cy="3924151"/>
+          </a:xfrm>
+          <a:prstGeom prst="rect">
+            <a:avLst/>
+          </a:prstGeom>
+          <a:noFill/>
+        </p:spPr>
+        <p:txBody>
+          <a:bodyPr wrap="square" rtlCol="0">
+            <a:spAutoFit/>
+          </a:bodyPr>
+          <a:lstStyle/>
+          <a:p>
+            <a:r>
+              <a:rPr lang="en-US" sz="2000" dirty="0"/>
+              <a:t>Hence, the preprocessing we did was:</a:t>
+            </a:r>
+          </a:p>
+          <a:p>
+            <a:pPr marL="457200" indent="-457200">
+              <a:buFontTx/>
+              <a:buChar char="-"/>
+            </a:pPr>
+            <a:r>
+              <a:rPr lang="en-US" sz="1900" dirty="0"/>
+              <a:t>Resample the train and test set by averaging some number of data points. For the final models, the number is decided to be 2, where the accuracy is best (compared to some bigger numbers—less data) with reasonable training   duration.</a:t>
+            </a:r>
+          </a:p>
+          <a:p>
+            <a:pPr marL="457200" indent="-457200">
+              <a:buFontTx/>
+              <a:buChar char="-"/>
+            </a:pPr>
+            <a:r>
+              <a:rPr lang="en-US" sz="1900" dirty="0"/>
+              <a:t>After reviewing the test set, we find that there is very little -1 TCC% values on them so in order to further simplify the data, we decide to remove the data points with -1 TCC% values from the train set.</a:t>
+            </a:r>
+          </a:p>
+          <a:p>
+            <a:pPr marL="457200" indent="-457200">
+              <a:buFontTx/>
+              <a:buChar char="-"/>
+            </a:pPr>
+            <a:r>
+              <a:rPr lang="en-US" sz="1900" dirty="0"/>
+              <a:t>Replacing the -7999 values with the average of the previous and next non-negative values to remove what we deem as outliers.</a:t>
+            </a:r>
+          </a:p>
+          <a:p>
+            <a:pPr marL="457200" indent="-457200">
+              <a:buFontTx/>
+              <a:buChar char="-"/>
+            </a:pPr>
+            <a:endParaRPr lang="en-US" sz="2000" dirty="0"/>
+          </a:p>
+          <a:p>
+            <a:endParaRPr lang="en-US" sz="1900" dirty="0"/>
+          </a:p>
+          <a:p>
+            <a:r>
+              <a:rPr lang="en-US" sz="1900" dirty="0"/>
+              <a:t>Our solution solely depends on the dataset provided by the committee and it has no license applied to it that we know of.</a:t>
+            </a:r>
+          </a:p>
+        </p:txBody>
+      </p:sp>
+      <p:pic>
+        <p:nvPicPr>
+          <p:cNvPr id="19" name="Picture 18">
+            <a:extLst>
+              <a:ext uri="{FF2B5EF4-FFF2-40B4-BE49-F238E27FC236}">
+                <a16:creationId xmlns:a16="http://schemas.microsoft.com/office/drawing/2014/main" id="{79211EFC-79C8-4242-8D13-C1A55BF0D607}"/>
+              </a:ext>
+            </a:extLst>
+          </p:cNvPr>
+          <p:cNvPicPr>
+            <a:picLocks noChangeAspect="1"/>
+          </p:cNvPicPr>
+          <p:nvPr/>
+        </p:nvPicPr>
+        <p:blipFill>
+          <a:blip r:embed="rId2">
+            <a:extLst>
+              <a:ext uri="{28A0092B-C50C-407E-A947-70E740481C1C}">
+                <a14:useLocalDpi xmlns:a14="http://schemas.microsoft.com/office/drawing/2010/main" val="0"/>
+              </a:ext>
+            </a:extLst>
+          </a:blip>
+          <a:stretch>
+            <a:fillRect/>
+          </a:stretch>
+        </p:blipFill>
+        <p:spPr>
+          <a:xfrm>
+            <a:off x="11251685" y="217572"/>
+            <a:ext cx="632429" cy="585787"/>
+          </a:xfrm>
+          <a:prstGeom prst="rect">
+            <a:avLst/>
+          </a:prstGeom>
+        </p:spPr>
+      </p:pic>
+      <p:sp>
+        <p:nvSpPr>
+          <p:cNvPr id="20" name="Rectangle 19">
+            <a:extLst>
+              <a:ext uri="{FF2B5EF4-FFF2-40B4-BE49-F238E27FC236}">
+                <a16:creationId xmlns:a16="http://schemas.microsoft.com/office/drawing/2014/main" id="{CD06EDC0-F882-4630-BAEF-1C56DA0BD7F3}"/>
               </a:ext>
             </a:extLst>
           </p:cNvPr>
@@ -5943,18 +6604,18 @@
         </p:nvSpPr>
         <p:spPr>
           <a:xfrm>
-            <a:off x="1502229" y="976590"/>
-            <a:ext cx="8229600" cy="108280"/>
+            <a:off x="12746939" y="0"/>
+            <a:ext cx="369814" cy="1020932"/>
           </a:xfrm>
           <a:prstGeom prst="rect">
             <a:avLst/>
           </a:prstGeom>
           <a:solidFill>
-            <a:srgbClr val="FFD500"/>
+            <a:srgbClr val="ED1C24"/>
           </a:solidFill>
           <a:ln>
             <a:solidFill>
-              <a:srgbClr val="FFD500"/>
+              <a:srgbClr val="ED1C24"/>
             </a:solidFill>
           </a:ln>
         </p:spPr>
@@ -5983,185 +6644,12 @@
           </a:p>
         </p:txBody>
       </p:sp>
-      <p:pic>
-        <p:nvPicPr>
-          <p:cNvPr id="6" name="Picture 5">
-            <a:extLst>
-              <a:ext uri="{FF2B5EF4-FFF2-40B4-BE49-F238E27FC236}">
-                <a16:creationId xmlns:a16="http://schemas.microsoft.com/office/drawing/2014/main" id="{55E7596A-4A1D-47D0-A8B5-77A077664189}"/>
-              </a:ext>
-            </a:extLst>
-          </p:cNvPr>
-          <p:cNvPicPr>
-            <a:picLocks noChangeAspect="1"/>
-          </p:cNvPicPr>
-          <p:nvPr/>
-        </p:nvPicPr>
-        <p:blipFill>
-          <a:blip r:embed="rId2">
-            <a:extLst>
-              <a:ext uri="{28A0092B-C50C-407E-A947-70E740481C1C}">
-                <a14:useLocalDpi xmlns:a14="http://schemas.microsoft.com/office/drawing/2010/main" val="0"/>
-              </a:ext>
-            </a:extLst>
-          </a:blip>
-          <a:stretch>
-            <a:fillRect/>
-          </a:stretch>
-        </p:blipFill>
-        <p:spPr>
-          <a:xfrm>
-            <a:off x="11251685" y="217572"/>
-            <a:ext cx="632429" cy="585787"/>
-          </a:xfrm>
-          <a:prstGeom prst="rect">
-            <a:avLst/>
-          </a:prstGeom>
-        </p:spPr>
-      </p:pic>
-      <p:sp>
-        <p:nvSpPr>
-          <p:cNvPr id="7" name="TextBox 6">
-            <a:extLst>
-              <a:ext uri="{FF2B5EF4-FFF2-40B4-BE49-F238E27FC236}">
-                <a16:creationId xmlns:a16="http://schemas.microsoft.com/office/drawing/2014/main" id="{62D22C11-50FE-4BA0-B82E-73584DBB846A}"/>
-              </a:ext>
-            </a:extLst>
-          </p:cNvPr>
-          <p:cNvSpPr txBox="1"/>
-          <p:nvPr/>
-        </p:nvSpPr>
-        <p:spPr>
-          <a:xfrm>
-            <a:off x="0" y="-66508"/>
-            <a:ext cx="1448217" cy="369332"/>
-          </a:xfrm>
-          <a:prstGeom prst="rect">
-            <a:avLst/>
-          </a:prstGeom>
-          <a:noFill/>
-        </p:spPr>
-        <p:txBody>
-          <a:bodyPr wrap="none" rtlCol="0">
-            <a:spAutoFit/>
-          </a:bodyPr>
-          <a:lstStyle/>
-          <a:p>
-            <a:r>
-              <a:rPr lang="en-US" dirty="0"/>
-              <a:t>Methodology</a:t>
-            </a:r>
-          </a:p>
-        </p:txBody>
-      </p:sp>
-    </p:spTree>
-    <p:extLst>
-      <p:ext uri="{BB962C8B-B14F-4D97-AF65-F5344CB8AC3E}">
-        <p14:creationId xmlns:p14="http://schemas.microsoft.com/office/powerpoint/2010/main" val="2335294455"/>
-      </p:ext>
-    </p:extLst>
-  </p:cSld>
-  <p:clrMapOvr>
-    <a:masterClrMapping/>
-  </p:clrMapOvr>
-</p:sld>
-</file>
-
-<file path=ppt/slides/slide5.xml><?xml version="1.0" encoding="utf-8"?>
-<p:sld xmlns:a="http://schemas.openxmlformats.org/drawingml/2006/main" xmlns:r="http://schemas.openxmlformats.org/officeDocument/2006/relationships" xmlns:p="http://schemas.openxmlformats.org/presentationml/2006/main">
-  <p:cSld>
-    <p:spTree>
-      <p:nvGrpSpPr>
-        <p:cNvPr id="1" name=""/>
-        <p:cNvGrpSpPr/>
-        <p:nvPr/>
-      </p:nvGrpSpPr>
-      <p:grpSpPr>
-        <a:xfrm>
-          <a:off x="0" y="0"/>
-          <a:ext cx="0" cy="0"/>
-          <a:chOff x="0" y="0"/>
-          <a:chExt cx="0" cy="0"/>
-        </a:xfrm>
-      </p:grpSpPr>
-      <p:sp>
-        <p:nvSpPr>
-          <p:cNvPr id="2" name="Title 1">
-            <a:extLst>
-              <a:ext uri="{FF2B5EF4-FFF2-40B4-BE49-F238E27FC236}">
-                <a16:creationId xmlns:a16="http://schemas.microsoft.com/office/drawing/2014/main" id="{F22A3214-EFE5-40A4-8469-6FBEF9136647}"/>
-              </a:ext>
-            </a:extLst>
-          </p:cNvPr>
-          <p:cNvSpPr>
-            <a:spLocks noGrp="1"/>
-          </p:cNvSpPr>
-          <p:nvPr>
-            <p:ph type="title"/>
-          </p:nvPr>
-        </p:nvSpPr>
-        <p:spPr>
-          <a:xfrm>
-            <a:off x="174171" y="217572"/>
-            <a:ext cx="10515600" cy="728287"/>
-          </a:xfrm>
-        </p:spPr>
-        <p:txBody>
-          <a:bodyPr>
-            <a:normAutofit/>
-          </a:bodyPr>
-          <a:lstStyle/>
-          <a:p>
-            <a:r>
-              <a:rPr lang="en-US" sz="4000" dirty="0"/>
-              <a:t>Experiment results</a:t>
-            </a:r>
-          </a:p>
-        </p:txBody>
-      </p:sp>
-      <p:sp>
-        <p:nvSpPr>
-          <p:cNvPr id="3" name="Content Placeholder 2">
-            <a:extLst>
-              <a:ext uri="{FF2B5EF4-FFF2-40B4-BE49-F238E27FC236}">
-                <a16:creationId xmlns:a16="http://schemas.microsoft.com/office/drawing/2014/main" id="{53C668A0-DFA8-49A7-8708-821E63524EF7}"/>
-              </a:ext>
-            </a:extLst>
-          </p:cNvPr>
-          <p:cNvSpPr>
-            <a:spLocks noGrp="1"/>
-          </p:cNvSpPr>
-          <p:nvPr>
-            <p:ph idx="1"/>
-          </p:nvPr>
-        </p:nvSpPr>
-        <p:spPr/>
-        <p:txBody>
-          <a:bodyPr/>
-          <a:lstStyle/>
-          <a:p>
-            <a:r>
-              <a:rPr lang="en-US" dirty="0"/>
-              <a:t>Model details</a:t>
-            </a:r>
-          </a:p>
-          <a:p>
-            <a:pPr marL="0" indent="0">
-              <a:buNone/>
-            </a:pPr>
-            <a:r>
-              <a:rPr lang="en-US" dirty="0"/>
-              <a:t>We only leveraged the weather data—without using the image data at all—therefore we didn’t have the chance to use any pre-trained model nor done any transfer learning.</a:t>
-            </a:r>
-          </a:p>
-        </p:txBody>
-      </p:sp>
-      <p:sp>
-        <p:nvSpPr>
-          <p:cNvPr id="4" name="Rectangle 3">
-            <a:extLst>
-              <a:ext uri="{FF2B5EF4-FFF2-40B4-BE49-F238E27FC236}">
-                <a16:creationId xmlns:a16="http://schemas.microsoft.com/office/drawing/2014/main" id="{967E47A0-2566-4BE7-B903-B29AC2C54929}"/>
+      <p:sp>
+        <p:nvSpPr>
+          <p:cNvPr id="21" name="Rectangle 20">
+            <a:extLst>
+              <a:ext uri="{FF2B5EF4-FFF2-40B4-BE49-F238E27FC236}">
+                <a16:creationId xmlns:a16="http://schemas.microsoft.com/office/drawing/2014/main" id="{C19D0A17-6BCD-41BD-B50F-926260E292D6}"/>
               </a:ext>
             </a:extLst>
           </p:cNvPr>
@@ -6170,18 +6658,18 @@
         </p:nvSpPr>
         <p:spPr>
           <a:xfrm>
-            <a:off x="0" y="976590"/>
-            <a:ext cx="7080069" cy="108280"/>
+            <a:off x="12363024" y="0"/>
+            <a:ext cx="374075" cy="1020932"/>
           </a:xfrm>
           <a:prstGeom prst="rect">
             <a:avLst/>
           </a:prstGeom>
           <a:solidFill>
-            <a:srgbClr val="ED1C24"/>
+            <a:srgbClr val="FFD500"/>
           </a:solidFill>
           <a:ln>
             <a:solidFill>
-              <a:srgbClr val="ED1C24"/>
+              <a:srgbClr val="FFD500"/>
             </a:solidFill>
           </a:ln>
         </p:spPr>
@@ -6212,10 +6700,10 @@
       </p:sp>
       <p:sp>
         <p:nvSpPr>
-          <p:cNvPr id="5" name="Rectangle 4">
-            <a:extLst>
-              <a:ext uri="{FF2B5EF4-FFF2-40B4-BE49-F238E27FC236}">
-                <a16:creationId xmlns:a16="http://schemas.microsoft.com/office/drawing/2014/main" id="{B9D5F680-38A8-47DD-BB95-A0E6CF51BE8E}"/>
+          <p:cNvPr id="22" name="Rectangle 21">
+            <a:extLst>
+              <a:ext uri="{FF2B5EF4-FFF2-40B4-BE49-F238E27FC236}">
+                <a16:creationId xmlns:a16="http://schemas.microsoft.com/office/drawing/2014/main" id="{D23D5626-E545-472A-9B67-2829C7FD62DC}"/>
               </a:ext>
             </a:extLst>
           </p:cNvPr>
@@ -6264,12 +6752,380 @@
           </a:p>
         </p:txBody>
       </p:sp>
+      <p:sp>
+        <p:nvSpPr>
+          <p:cNvPr id="23" name="TextBox 22">
+            <a:extLst>
+              <a:ext uri="{FF2B5EF4-FFF2-40B4-BE49-F238E27FC236}">
+                <a16:creationId xmlns:a16="http://schemas.microsoft.com/office/drawing/2014/main" id="{62E78707-A2ED-4BF7-AA37-04F091DEBF47}"/>
+              </a:ext>
+            </a:extLst>
+          </p:cNvPr>
+          <p:cNvSpPr txBox="1"/>
+          <p:nvPr/>
+        </p:nvSpPr>
+        <p:spPr>
+          <a:xfrm>
+            <a:off x="0" y="-66508"/>
+            <a:ext cx="1448217" cy="369332"/>
+          </a:xfrm>
+          <a:prstGeom prst="rect">
+            <a:avLst/>
+          </a:prstGeom>
+          <a:noFill/>
+        </p:spPr>
+        <p:txBody>
+          <a:bodyPr wrap="none" rtlCol="0">
+            <a:spAutoFit/>
+          </a:bodyPr>
+          <a:lstStyle/>
+          <a:p>
+            <a:r>
+              <a:rPr lang="en-US" dirty="0"/>
+              <a:t>Methodology</a:t>
+            </a:r>
+          </a:p>
+        </p:txBody>
+      </p:sp>
+      <p:sp>
+        <p:nvSpPr>
+          <p:cNvPr id="11" name="Rectangle 10">
+            <a:extLst>
+              <a:ext uri="{FF2B5EF4-FFF2-40B4-BE49-F238E27FC236}">
+                <a16:creationId xmlns:a16="http://schemas.microsoft.com/office/drawing/2014/main" id="{C4F7A257-014E-4ABA-9D66-E1C1077CBB2B}"/>
+              </a:ext>
+            </a:extLst>
+          </p:cNvPr>
+          <p:cNvSpPr/>
+          <p:nvPr/>
+        </p:nvSpPr>
+        <p:spPr>
+          <a:xfrm>
+            <a:off x="12372864" y="1248170"/>
+            <a:ext cx="374075" cy="1020932"/>
+          </a:xfrm>
+          <a:prstGeom prst="rect">
+            <a:avLst/>
+          </a:prstGeom>
+          <a:solidFill>
+            <a:schemeClr val="bg2">
+              <a:lumMod val="90000"/>
+            </a:schemeClr>
+          </a:solidFill>
+          <a:ln>
+            <a:solidFill>
+              <a:schemeClr val="bg2">
+                <a:lumMod val="90000"/>
+              </a:schemeClr>
+            </a:solidFill>
+          </a:ln>
+        </p:spPr>
+        <p:style>
+          <a:lnRef idx="2">
+            <a:schemeClr val="accent1">
+              <a:shade val="50000"/>
+            </a:schemeClr>
+          </a:lnRef>
+          <a:fillRef idx="1">
+            <a:schemeClr val="accent1"/>
+          </a:fillRef>
+          <a:effectRef idx="0">
+            <a:schemeClr val="accent1"/>
+          </a:effectRef>
+          <a:fontRef idx="minor">
+            <a:schemeClr val="lt1"/>
+          </a:fontRef>
+        </p:style>
+        <p:txBody>
+          <a:bodyPr rtlCol="0" anchor="ctr"/>
+          <a:lstStyle/>
+          <a:p>
+            <a:pPr algn="ctr"/>
+            <a:endParaRPr lang="en-US"/>
+          </a:p>
+        </p:txBody>
+      </p:sp>
+      <p:sp>
+        <p:nvSpPr>
+          <p:cNvPr id="12" name="Rectangle 11">
+            <a:extLst>
+              <a:ext uri="{FF2B5EF4-FFF2-40B4-BE49-F238E27FC236}">
+                <a16:creationId xmlns:a16="http://schemas.microsoft.com/office/drawing/2014/main" id="{7E67DB8A-7CC7-4E8C-9EB8-69F71526579D}"/>
+              </a:ext>
+            </a:extLst>
+          </p:cNvPr>
+          <p:cNvSpPr/>
+          <p:nvPr/>
+        </p:nvSpPr>
+        <p:spPr>
+          <a:xfrm>
+            <a:off x="12746939" y="1248170"/>
+            <a:ext cx="374075" cy="1020932"/>
+          </a:xfrm>
+          <a:prstGeom prst="rect">
+            <a:avLst/>
+          </a:prstGeom>
+          <a:solidFill>
+            <a:schemeClr val="bg2">
+              <a:lumMod val="25000"/>
+            </a:schemeClr>
+          </a:solidFill>
+          <a:ln>
+            <a:solidFill>
+              <a:schemeClr val="bg2">
+                <a:lumMod val="25000"/>
+              </a:schemeClr>
+            </a:solidFill>
+          </a:ln>
+        </p:spPr>
+        <p:style>
+          <a:lnRef idx="2">
+            <a:schemeClr val="accent1">
+              <a:shade val="50000"/>
+            </a:schemeClr>
+          </a:lnRef>
+          <a:fillRef idx="1">
+            <a:schemeClr val="accent1"/>
+          </a:fillRef>
+          <a:effectRef idx="0">
+            <a:schemeClr val="accent1"/>
+          </a:effectRef>
+          <a:fontRef idx="minor">
+            <a:schemeClr val="lt1"/>
+          </a:fontRef>
+        </p:style>
+        <p:txBody>
+          <a:bodyPr rtlCol="0" anchor="ctr"/>
+          <a:lstStyle/>
+          <a:p>
+            <a:pPr algn="ctr"/>
+            <a:endParaRPr lang="en-US">
+              <a:solidFill>
+                <a:schemeClr val="bg2">
+                  <a:lumMod val="25000"/>
+                </a:schemeClr>
+              </a:solidFill>
+            </a:endParaRPr>
+          </a:p>
+        </p:txBody>
+      </p:sp>
+    </p:spTree>
+    <p:extLst>
+      <p:ext uri="{BB962C8B-B14F-4D97-AF65-F5344CB8AC3E}">
+        <p14:creationId xmlns:p14="http://schemas.microsoft.com/office/powerpoint/2010/main" val="1330972907"/>
+      </p:ext>
+    </p:extLst>
+  </p:cSld>
+  <p:clrMapOvr>
+    <a:masterClrMapping/>
+  </p:clrMapOvr>
+</p:sld>
+</file>
+
+<file path=ppt/slides/slide5.xml><?xml version="1.0" encoding="utf-8"?>
+<p:sld xmlns:a="http://schemas.openxmlformats.org/drawingml/2006/main" xmlns:r="http://schemas.openxmlformats.org/officeDocument/2006/relationships" xmlns:p="http://schemas.openxmlformats.org/presentationml/2006/main" show="0">
+  <p:cSld>
+    <p:spTree>
+      <p:nvGrpSpPr>
+        <p:cNvPr id="1" name=""/>
+        <p:cNvGrpSpPr/>
+        <p:nvPr/>
+      </p:nvGrpSpPr>
+      <p:grpSpPr>
+        <a:xfrm>
+          <a:off x="0" y="0"/>
+          <a:ext cx="0" cy="0"/>
+          <a:chOff x="0" y="0"/>
+          <a:chExt cx="0" cy="0"/>
+        </a:xfrm>
+      </p:grpSpPr>
+      <p:sp>
+        <p:nvSpPr>
+          <p:cNvPr id="2" name="Title 1">
+            <a:extLst>
+              <a:ext uri="{FF2B5EF4-FFF2-40B4-BE49-F238E27FC236}">
+                <a16:creationId xmlns:a16="http://schemas.microsoft.com/office/drawing/2014/main" id="{7577126C-DFF9-4006-A194-2803291040CB}"/>
+              </a:ext>
+            </a:extLst>
+          </p:cNvPr>
+          <p:cNvSpPr>
+            <a:spLocks noGrp="1"/>
+          </p:cNvSpPr>
+          <p:nvPr>
+            <p:ph type="title"/>
+          </p:nvPr>
+        </p:nvSpPr>
+        <p:spPr>
+          <a:xfrm>
+            <a:off x="174171" y="0"/>
+            <a:ext cx="10515600" cy="1160917"/>
+          </a:xfrm>
+        </p:spPr>
+        <p:txBody>
+          <a:bodyPr>
+            <a:normAutofit/>
+          </a:bodyPr>
+          <a:lstStyle/>
+          <a:p>
+            <a:r>
+              <a:rPr lang="en-US" sz="4000" dirty="0"/>
+              <a:t>Pre-existing work</a:t>
+            </a:r>
+          </a:p>
+        </p:txBody>
+      </p:sp>
+      <p:sp>
+        <p:nvSpPr>
+          <p:cNvPr id="3" name="Content Placeholder 2">
+            <a:extLst>
+              <a:ext uri="{FF2B5EF4-FFF2-40B4-BE49-F238E27FC236}">
+                <a16:creationId xmlns:a16="http://schemas.microsoft.com/office/drawing/2014/main" id="{C3A34A5B-737C-42E3-9D00-EDCFD38A6B2D}"/>
+              </a:ext>
+            </a:extLst>
+          </p:cNvPr>
+          <p:cNvSpPr>
+            <a:spLocks noGrp="1"/>
+          </p:cNvSpPr>
+          <p:nvPr>
+            <p:ph idx="1"/>
+          </p:nvPr>
+        </p:nvSpPr>
+        <p:spPr>
+          <a:xfrm>
+            <a:off x="844063" y="1758636"/>
+            <a:ext cx="8887766" cy="4351338"/>
+          </a:xfrm>
+        </p:spPr>
+        <p:txBody>
+          <a:bodyPr>
+            <a:normAutofit/>
+          </a:bodyPr>
+          <a:lstStyle/>
+          <a:p>
+            <a:pPr marL="0" indent="0">
+              <a:buNone/>
+            </a:pPr>
+            <a:r>
+              <a:rPr lang="en-US" sz="1900" dirty="0"/>
+              <a:t>Our team did not have a specific reference in mind while working on the solution. We, however, tailor our solution to imitate a solution for a time-series problem as we vaguely remember similar problems (not one specific example in mind) being called one.</a:t>
+            </a:r>
+          </a:p>
+        </p:txBody>
+      </p:sp>
+      <p:sp>
+        <p:nvSpPr>
+          <p:cNvPr id="4" name="Rectangle 3">
+            <a:extLst>
+              <a:ext uri="{FF2B5EF4-FFF2-40B4-BE49-F238E27FC236}">
+                <a16:creationId xmlns:a16="http://schemas.microsoft.com/office/drawing/2014/main" id="{A8478BEB-D58A-4D8B-B09A-35D3187CB172}"/>
+              </a:ext>
+            </a:extLst>
+          </p:cNvPr>
+          <p:cNvSpPr/>
+          <p:nvPr/>
+        </p:nvSpPr>
+        <p:spPr>
+          <a:xfrm>
+            <a:off x="0" y="976590"/>
+            <a:ext cx="7080069" cy="108280"/>
+          </a:xfrm>
+          <a:prstGeom prst="rect">
+            <a:avLst/>
+          </a:prstGeom>
+          <a:solidFill>
+            <a:srgbClr val="ED1C24"/>
+          </a:solidFill>
+          <a:ln>
+            <a:solidFill>
+              <a:srgbClr val="ED1C24"/>
+            </a:solidFill>
+          </a:ln>
+        </p:spPr>
+        <p:style>
+          <a:lnRef idx="2">
+            <a:schemeClr val="accent1">
+              <a:shade val="50000"/>
+            </a:schemeClr>
+          </a:lnRef>
+          <a:fillRef idx="1">
+            <a:schemeClr val="accent1"/>
+          </a:fillRef>
+          <a:effectRef idx="0">
+            <a:schemeClr val="accent1"/>
+          </a:effectRef>
+          <a:fontRef idx="minor">
+            <a:schemeClr val="lt1"/>
+          </a:fontRef>
+        </p:style>
+        <p:txBody>
+          <a:bodyPr rtlCol="0" anchor="ctr"/>
+          <a:lstStyle/>
+          <a:p>
+            <a:pPr algn="ctr"/>
+            <a:endParaRPr lang="en-US"/>
+          </a:p>
+        </p:txBody>
+      </p:sp>
+      <p:sp>
+        <p:nvSpPr>
+          <p:cNvPr id="5" name="Rectangle 4">
+            <a:extLst>
+              <a:ext uri="{FF2B5EF4-FFF2-40B4-BE49-F238E27FC236}">
+                <a16:creationId xmlns:a16="http://schemas.microsoft.com/office/drawing/2014/main" id="{3A7051B6-5518-4602-9A66-8FE5DF3BFE49}"/>
+              </a:ext>
+            </a:extLst>
+          </p:cNvPr>
+          <p:cNvSpPr/>
+          <p:nvPr/>
+        </p:nvSpPr>
+        <p:spPr>
+          <a:xfrm>
+            <a:off x="1502229" y="976590"/>
+            <a:ext cx="8229600" cy="108280"/>
+          </a:xfrm>
+          <a:prstGeom prst="rect">
+            <a:avLst/>
+          </a:prstGeom>
+          <a:solidFill>
+            <a:srgbClr val="FFD500"/>
+          </a:solidFill>
+          <a:ln>
+            <a:solidFill>
+              <a:srgbClr val="FFD500"/>
+            </a:solidFill>
+          </a:ln>
+        </p:spPr>
+        <p:style>
+          <a:lnRef idx="2">
+            <a:schemeClr val="accent1">
+              <a:shade val="50000"/>
+            </a:schemeClr>
+          </a:lnRef>
+          <a:fillRef idx="1">
+            <a:schemeClr val="accent1"/>
+          </a:fillRef>
+          <a:effectRef idx="0">
+            <a:schemeClr val="accent1"/>
+          </a:effectRef>
+          <a:fontRef idx="minor">
+            <a:schemeClr val="lt1"/>
+          </a:fontRef>
+        </p:style>
+        <p:txBody>
+          <a:bodyPr rtlCol="0" anchor="ctr"/>
+          <a:lstStyle/>
+          <a:p>
+            <a:pPr algn="ctr"/>
+            <a:endParaRPr lang="en-US"/>
+          </a:p>
+        </p:txBody>
+      </p:sp>
       <p:pic>
         <p:nvPicPr>
           <p:cNvPr id="6" name="Picture 5">
             <a:extLst>
               <a:ext uri="{FF2B5EF4-FFF2-40B4-BE49-F238E27FC236}">
-                <a16:creationId xmlns:a16="http://schemas.microsoft.com/office/drawing/2014/main" id="{94CC79EE-B68E-442C-88BB-A629E7A3C0E6}"/>
+                <a16:creationId xmlns:a16="http://schemas.microsoft.com/office/drawing/2014/main" id="{55E7596A-4A1D-47D0-A8B5-77A077664189}"/>
               </a:ext>
             </a:extLst>
           </p:cNvPr>
@@ -6305,7 +7161,7 @@
           <p:cNvPr id="7" name="TextBox 6">
             <a:extLst>
               <a:ext uri="{FF2B5EF4-FFF2-40B4-BE49-F238E27FC236}">
-                <a16:creationId xmlns:a16="http://schemas.microsoft.com/office/drawing/2014/main" id="{75138B6A-15BE-4F25-B903-6127269852DB}"/>
+                <a16:creationId xmlns:a16="http://schemas.microsoft.com/office/drawing/2014/main" id="{62D22C11-50FE-4BA0-B82E-73584DBB846A}"/>
               </a:ext>
             </a:extLst>
           </p:cNvPr>
@@ -6338,7 +7194,7 @@
     </p:spTree>
     <p:extLst>
       <p:ext uri="{BB962C8B-B14F-4D97-AF65-F5344CB8AC3E}">
-        <p14:creationId xmlns:p14="http://schemas.microsoft.com/office/powerpoint/2010/main" val="3206046911"/>
+        <p14:creationId xmlns:p14="http://schemas.microsoft.com/office/powerpoint/2010/main" val="2335294455"/>
       </p:ext>
     </p:extLst>
   </p:cSld>
@@ -6416,13 +7272,308 @@
             <p:ph idx="1"/>
           </p:nvPr>
         </p:nvSpPr>
-        <p:spPr/>
-        <p:txBody>
-          <a:bodyPr/>
+        <p:spPr>
+          <a:xfrm>
+            <a:off x="835270" y="1359633"/>
+            <a:ext cx="8896559" cy="4351338"/>
+          </a:xfrm>
+        </p:spPr>
+        <p:txBody>
+          <a:bodyPr>
+            <a:normAutofit/>
+          </a:bodyPr>
+          <a:lstStyle/>
+          <a:p>
+            <a:r>
+              <a:rPr lang="en-US" sz="2000" dirty="0"/>
+              <a:t>Model details</a:t>
+            </a:r>
+          </a:p>
+          <a:p>
+            <a:pPr marL="0" indent="0">
+              <a:buNone/>
+            </a:pPr>
+            <a:r>
+              <a:rPr lang="en-US" sz="2000" dirty="0"/>
+              <a:t>Our final models are trained from scratch. We didn’t use any pre-trained model nor done any transfer learning in building the final model. We didn’t even do hyperparameter tuning.</a:t>
+            </a:r>
+          </a:p>
+        </p:txBody>
+      </p:sp>
+      <p:sp>
+        <p:nvSpPr>
+          <p:cNvPr id="4" name="Rectangle 3">
+            <a:extLst>
+              <a:ext uri="{FF2B5EF4-FFF2-40B4-BE49-F238E27FC236}">
+                <a16:creationId xmlns:a16="http://schemas.microsoft.com/office/drawing/2014/main" id="{967E47A0-2566-4BE7-B903-B29AC2C54929}"/>
+              </a:ext>
+            </a:extLst>
+          </p:cNvPr>
+          <p:cNvSpPr/>
+          <p:nvPr/>
+        </p:nvSpPr>
+        <p:spPr>
+          <a:xfrm>
+            <a:off x="0" y="976590"/>
+            <a:ext cx="7080069" cy="108280"/>
+          </a:xfrm>
+          <a:prstGeom prst="rect">
+            <a:avLst/>
+          </a:prstGeom>
+          <a:solidFill>
+            <a:srgbClr val="ED1C24"/>
+          </a:solidFill>
+          <a:ln>
+            <a:solidFill>
+              <a:srgbClr val="ED1C24"/>
+            </a:solidFill>
+          </a:ln>
+        </p:spPr>
+        <p:style>
+          <a:lnRef idx="2">
+            <a:schemeClr val="accent1">
+              <a:shade val="50000"/>
+            </a:schemeClr>
+          </a:lnRef>
+          <a:fillRef idx="1">
+            <a:schemeClr val="accent1"/>
+          </a:fillRef>
+          <a:effectRef idx="0">
+            <a:schemeClr val="accent1"/>
+          </a:effectRef>
+          <a:fontRef idx="minor">
+            <a:schemeClr val="lt1"/>
+          </a:fontRef>
+        </p:style>
+        <p:txBody>
+          <a:bodyPr rtlCol="0" anchor="ctr"/>
+          <a:lstStyle/>
+          <a:p>
+            <a:pPr algn="ctr"/>
+            <a:endParaRPr lang="en-US"/>
+          </a:p>
+        </p:txBody>
+      </p:sp>
+      <p:sp>
+        <p:nvSpPr>
+          <p:cNvPr id="5" name="Rectangle 4">
+            <a:extLst>
+              <a:ext uri="{FF2B5EF4-FFF2-40B4-BE49-F238E27FC236}">
+                <a16:creationId xmlns:a16="http://schemas.microsoft.com/office/drawing/2014/main" id="{B9D5F680-38A8-47DD-BB95-A0E6CF51BE8E}"/>
+              </a:ext>
+            </a:extLst>
+          </p:cNvPr>
+          <p:cNvSpPr/>
+          <p:nvPr/>
+        </p:nvSpPr>
+        <p:spPr>
+          <a:xfrm>
+            <a:off x="1502229" y="976590"/>
+            <a:ext cx="8229600" cy="108280"/>
+          </a:xfrm>
+          <a:prstGeom prst="rect">
+            <a:avLst/>
+          </a:prstGeom>
+          <a:solidFill>
+            <a:srgbClr val="FFD500"/>
+          </a:solidFill>
+          <a:ln>
+            <a:solidFill>
+              <a:srgbClr val="FFD500"/>
+            </a:solidFill>
+          </a:ln>
+        </p:spPr>
+        <p:style>
+          <a:lnRef idx="2">
+            <a:schemeClr val="accent1">
+              <a:shade val="50000"/>
+            </a:schemeClr>
+          </a:lnRef>
+          <a:fillRef idx="1">
+            <a:schemeClr val="accent1"/>
+          </a:fillRef>
+          <a:effectRef idx="0">
+            <a:schemeClr val="accent1"/>
+          </a:effectRef>
+          <a:fontRef idx="minor">
+            <a:schemeClr val="lt1"/>
+          </a:fontRef>
+        </p:style>
+        <p:txBody>
+          <a:bodyPr rtlCol="0" anchor="ctr"/>
+          <a:lstStyle/>
+          <a:p>
+            <a:pPr algn="ctr"/>
+            <a:endParaRPr lang="en-US"/>
+          </a:p>
+        </p:txBody>
+      </p:sp>
+      <p:pic>
+        <p:nvPicPr>
+          <p:cNvPr id="6" name="Picture 5">
+            <a:extLst>
+              <a:ext uri="{FF2B5EF4-FFF2-40B4-BE49-F238E27FC236}">
+                <a16:creationId xmlns:a16="http://schemas.microsoft.com/office/drawing/2014/main" id="{94CC79EE-B68E-442C-88BB-A629E7A3C0E6}"/>
+              </a:ext>
+            </a:extLst>
+          </p:cNvPr>
+          <p:cNvPicPr>
+            <a:picLocks noChangeAspect="1"/>
+          </p:cNvPicPr>
+          <p:nvPr/>
+        </p:nvPicPr>
+        <p:blipFill>
+          <a:blip r:embed="rId2">
+            <a:extLst>
+              <a:ext uri="{28A0092B-C50C-407E-A947-70E740481C1C}">
+                <a14:useLocalDpi xmlns:a14="http://schemas.microsoft.com/office/drawing/2010/main" val="0"/>
+              </a:ext>
+            </a:extLst>
+          </a:blip>
+          <a:stretch>
+            <a:fillRect/>
+          </a:stretch>
+        </p:blipFill>
+        <p:spPr>
+          <a:xfrm>
+            <a:off x="11251685" y="217572"/>
+            <a:ext cx="632429" cy="585787"/>
+          </a:xfrm>
+          <a:prstGeom prst="rect">
+            <a:avLst/>
+          </a:prstGeom>
+        </p:spPr>
+      </p:pic>
+      <p:sp>
+        <p:nvSpPr>
+          <p:cNvPr id="7" name="TextBox 6">
+            <a:extLst>
+              <a:ext uri="{FF2B5EF4-FFF2-40B4-BE49-F238E27FC236}">
+                <a16:creationId xmlns:a16="http://schemas.microsoft.com/office/drawing/2014/main" id="{75138B6A-15BE-4F25-B903-6127269852DB}"/>
+              </a:ext>
+            </a:extLst>
+          </p:cNvPr>
+          <p:cNvSpPr txBox="1"/>
+          <p:nvPr/>
+        </p:nvSpPr>
+        <p:spPr>
+          <a:xfrm>
+            <a:off x="0" y="-66508"/>
+            <a:ext cx="1448217" cy="369332"/>
+          </a:xfrm>
+          <a:prstGeom prst="rect">
+            <a:avLst/>
+          </a:prstGeom>
+          <a:noFill/>
+        </p:spPr>
+        <p:txBody>
+          <a:bodyPr wrap="none" rtlCol="0">
+            <a:spAutoFit/>
+          </a:bodyPr>
           <a:lstStyle/>
           <a:p>
             <a:r>
               <a:rPr lang="en-US" dirty="0"/>
+              <a:t>Methodology</a:t>
+            </a:r>
+          </a:p>
+        </p:txBody>
+      </p:sp>
+    </p:spTree>
+    <p:extLst>
+      <p:ext uri="{BB962C8B-B14F-4D97-AF65-F5344CB8AC3E}">
+        <p14:creationId xmlns:p14="http://schemas.microsoft.com/office/powerpoint/2010/main" val="3206046911"/>
+      </p:ext>
+    </p:extLst>
+  </p:cSld>
+  <p:clrMapOvr>
+    <a:masterClrMapping/>
+  </p:clrMapOvr>
+</p:sld>
+</file>
+
+<file path=ppt/slides/slide7.xml><?xml version="1.0" encoding="utf-8"?>
+<p:sld xmlns:a="http://schemas.openxmlformats.org/drawingml/2006/main" xmlns:r="http://schemas.openxmlformats.org/officeDocument/2006/relationships" xmlns:p="http://schemas.openxmlformats.org/presentationml/2006/main">
+  <p:cSld>
+    <p:spTree>
+      <p:nvGrpSpPr>
+        <p:cNvPr id="1" name=""/>
+        <p:cNvGrpSpPr/>
+        <p:nvPr/>
+      </p:nvGrpSpPr>
+      <p:grpSpPr>
+        <a:xfrm>
+          <a:off x="0" y="0"/>
+          <a:ext cx="0" cy="0"/>
+          <a:chOff x="0" y="0"/>
+          <a:chExt cx="0" cy="0"/>
+        </a:xfrm>
+      </p:grpSpPr>
+      <p:sp>
+        <p:nvSpPr>
+          <p:cNvPr id="2" name="Title 1">
+            <a:extLst>
+              <a:ext uri="{FF2B5EF4-FFF2-40B4-BE49-F238E27FC236}">
+                <a16:creationId xmlns:a16="http://schemas.microsoft.com/office/drawing/2014/main" id="{F22A3214-EFE5-40A4-8469-6FBEF9136647}"/>
+              </a:ext>
+            </a:extLst>
+          </p:cNvPr>
+          <p:cNvSpPr>
+            <a:spLocks noGrp="1"/>
+          </p:cNvSpPr>
+          <p:nvPr>
+            <p:ph type="title"/>
+          </p:nvPr>
+        </p:nvSpPr>
+        <p:spPr>
+          <a:xfrm>
+            <a:off x="174171" y="217572"/>
+            <a:ext cx="10515600" cy="728287"/>
+          </a:xfrm>
+        </p:spPr>
+        <p:txBody>
+          <a:bodyPr>
+            <a:normAutofit/>
+          </a:bodyPr>
+          <a:lstStyle/>
+          <a:p>
+            <a:r>
+              <a:rPr lang="en-US" sz="4000" dirty="0"/>
+              <a:t>Experiment results</a:t>
+            </a:r>
+          </a:p>
+        </p:txBody>
+      </p:sp>
+      <p:sp>
+        <p:nvSpPr>
+          <p:cNvPr id="3" name="Content Placeholder 2">
+            <a:extLst>
+              <a:ext uri="{FF2B5EF4-FFF2-40B4-BE49-F238E27FC236}">
+                <a16:creationId xmlns:a16="http://schemas.microsoft.com/office/drawing/2014/main" id="{53C668A0-DFA8-49A7-8708-821E63524EF7}"/>
+              </a:ext>
+            </a:extLst>
+          </p:cNvPr>
+          <p:cNvSpPr>
+            <a:spLocks noGrp="1"/>
+          </p:cNvSpPr>
+          <p:nvPr>
+            <p:ph idx="1"/>
+          </p:nvPr>
+        </p:nvSpPr>
+        <p:spPr>
+          <a:xfrm>
+            <a:off x="838200" y="1334990"/>
+            <a:ext cx="8893629" cy="4351338"/>
+          </a:xfrm>
+        </p:spPr>
+        <p:txBody>
+          <a:bodyPr vert="horz" lIns="91440" tIns="45720" rIns="91440" bIns="45720" rtlCol="0" anchor="t">
+            <a:normAutofit/>
+          </a:bodyPr>
+          <a:lstStyle/>
+          <a:p>
+            <a:r>
+              <a:rPr lang="en-US" sz="2000" dirty="0"/>
               <a:t>Performance details</a:t>
             </a:r>
           </a:p>
@@ -6432,8 +7583,8 @@
               <a:buNone/>
             </a:pPr>
             <a:r>
-              <a:rPr lang="en-US" dirty="0"/>
-              <a:t>What we did do to improve the models:</a:t>
+              <a:rPr lang="en-US" sz="2000" dirty="0"/>
+              <a:t>To optimize the performance, we did do:</a:t>
             </a:r>
           </a:p>
           <a:p>
@@ -6442,8 +7593,8 @@
               <a:buChar char="§"/>
             </a:pPr>
             <a:r>
-              <a:rPr lang="en-US" dirty="0"/>
-              <a:t>Replacing the outliers (-7999 TCC% values) with the average of the closest non-negative values during preprocessing.</a:t>
+              <a:rPr lang="en-US" sz="2000" dirty="0"/>
+              <a:t>Replace the outliers (-7999 TCC% values) with the average of the closest non-negative values during preprocessing.</a:t>
             </a:r>
           </a:p>
           <a:p>
@@ -6452,40 +7603,16 @@
               <a:buChar char="§"/>
             </a:pPr>
             <a:r>
-              <a:rPr lang="en-US" dirty="0"/>
-              <a:t>Evaluating 5 traditional ML models (</a:t>
-            </a:r>
-            <a:r>
-              <a:rPr lang="en-US" dirty="0" err="1"/>
-              <a:t>linreg</a:t>
-            </a:r>
-            <a:r>
-              <a:rPr lang="en-US" dirty="0"/>
-              <a:t>, </a:t>
-            </a:r>
-            <a:r>
-              <a:rPr lang="en-US" dirty="0" err="1"/>
-              <a:t>deviion</a:t>
-            </a:r>
-            <a:r>
-              <a:rPr lang="en-US" dirty="0"/>
-              <a:t> tree, </a:t>
-            </a:r>
-            <a:r>
-              <a:rPr lang="en-US" dirty="0" err="1"/>
-              <a:t>svr</a:t>
-            </a:r>
-            <a:r>
-              <a:rPr lang="en-US" dirty="0"/>
-              <a:t>, .., </a:t>
-            </a:r>
-            <a:r>
-              <a:rPr lang="en-US" dirty="0" err="1"/>
-              <a:t>xhb</a:t>
-            </a:r>
-            <a:r>
-              <a:rPr lang="en-US" dirty="0"/>
-              <a:t>) to find the fitting model; turns out to be SVR.	</a:t>
+              <a:rPr lang="en-US" sz="2000" dirty="0"/>
+              <a:t>Trying out 5 traditional ML models (linear regression, decision tree, SVR, Naïve Bayes, </a:t>
+            </a:r>
+            <a:r>
+              <a:rPr lang="en-US" sz="2000" dirty="0" err="1"/>
+              <a:t>XGBoost</a:t>
+            </a:r>
+            <a:r>
+              <a:rPr lang="en-US" sz="2000" dirty="0"/>
+              <a:t>) to find the most fitting model; SVR turned out to have the highest validation accuracy.	</a:t>
             </a:r>
           </a:p>
           <a:p>
@@ -6494,8 +7621,30 @@
               <a:buChar char="§"/>
             </a:pPr>
             <a:r>
-              <a:rPr lang="en-US" dirty="0"/>
-              <a:t>Even though our team utilizes conventional ML models, we tried to make the dataset time-series-like by engineering new features from the past by shifting these features up from some number of previous data points.</a:t>
+              <a:rPr lang="en-US" sz="2000" dirty="0"/>
+              <a:t>We tried to make the dataset time-series-like by engineering new features from the past by shifting these features up from some number of previous data points.</a:t>
+            </a:r>
+          </a:p>
+          <a:p>
+            <a:pPr lvl="1">
+              <a:buFont typeface="Wingdings" panose="05000000000000000000" pitchFamily="2" charset="2"/>
+              <a:buChar char="§"/>
+            </a:pPr>
+            <a:endParaRPr lang="en-US" sz="2000" dirty="0"/>
+          </a:p>
+          <a:p>
+            <a:pPr marL="457200" lvl="1" indent="0">
+              <a:buNone/>
+            </a:pPr>
+            <a:r>
+              <a:rPr lang="en-US" sz="2000" dirty="0">
+                <a:solidFill>
+                  <a:schemeClr val="bg2">
+                    <a:lumMod val="25000"/>
+                  </a:schemeClr>
+                </a:solidFill>
+              </a:rPr>
+              <a:t>…</a:t>
             </a:r>
           </a:p>
         </p:txBody>
@@ -6888,7 +8037,7 @@
 </p:sld>
 </file>
 
-<file path=ppt/slides/slide7.xml><?xml version="1.0" encoding="utf-8"?>
+<file path=ppt/slides/slide8.xml><?xml version="1.0" encoding="utf-8"?>
 <p:sld xmlns:a="http://schemas.openxmlformats.org/drawingml/2006/main" xmlns:r="http://schemas.openxmlformats.org/officeDocument/2006/relationships" xmlns:p="http://schemas.openxmlformats.org/presentationml/2006/main">
   <p:cSld>
     <p:spTree>
@@ -6923,8 +8072,8 @@
         </p:nvSpPr>
         <p:spPr>
           <a:xfrm>
-            <a:off x="151411" y="154527"/>
-            <a:ext cx="10515600" cy="836567"/>
+            <a:off x="174171" y="217572"/>
+            <a:ext cx="10515600" cy="728287"/>
           </a:xfrm>
         </p:spPr>
         <p:txBody>
@@ -6935,7 +8084,130 @@
           <a:p>
             <a:r>
               <a:rPr lang="en-US" sz="4000" dirty="0"/>
-              <a:t>Hardware, software, training, license</a:t>
+              <a:t>Experiment results</a:t>
+            </a:r>
+          </a:p>
+        </p:txBody>
+      </p:sp>
+      <p:sp>
+        <p:nvSpPr>
+          <p:cNvPr id="3" name="Content Placeholder 2">
+            <a:extLst>
+              <a:ext uri="{FF2B5EF4-FFF2-40B4-BE49-F238E27FC236}">
+                <a16:creationId xmlns:a16="http://schemas.microsoft.com/office/drawing/2014/main" id="{53C668A0-DFA8-49A7-8708-821E63524EF7}"/>
+              </a:ext>
+            </a:extLst>
+          </p:cNvPr>
+          <p:cNvSpPr>
+            <a:spLocks noGrp="1"/>
+          </p:cNvSpPr>
+          <p:nvPr>
+            <p:ph idx="1"/>
+          </p:nvPr>
+        </p:nvSpPr>
+        <p:spPr>
+          <a:xfrm>
+            <a:off x="838198" y="1334990"/>
+            <a:ext cx="9949963" cy="4703502"/>
+          </a:xfrm>
+        </p:spPr>
+        <p:txBody>
+          <a:bodyPr>
+            <a:noAutofit/>
+          </a:bodyPr>
+          <a:lstStyle/>
+          <a:p>
+            <a:r>
+              <a:rPr lang="en-US" sz="2000" dirty="0"/>
+              <a:t>Performance details</a:t>
+            </a:r>
+          </a:p>
+          <a:p>
+            <a:pPr lvl="1">
+              <a:buFont typeface="Wingdings" panose="05000000000000000000" pitchFamily="2" charset="2"/>
+              <a:buChar char="§"/>
+            </a:pPr>
+            <a:r>
+              <a:rPr lang="en-US" sz="2000" dirty="0"/>
+              <a:t>Ensemble the models:</a:t>
+            </a:r>
+          </a:p>
+          <a:p>
+            <a:pPr lvl="2">
+              <a:buFont typeface="Courier New" panose="02070309020205020404" pitchFamily="49" charset="0"/>
+              <a:buChar char="o"/>
+            </a:pPr>
+            <a:r>
+              <a:rPr lang="en-US" b="1" dirty="0"/>
+              <a:t>Naïve</a:t>
+            </a:r>
+            <a:r>
+              <a:rPr lang="en-US" dirty="0"/>
+              <a:t>: </a:t>
+            </a:r>
+            <a:r>
+              <a:rPr lang="en-US" sz="1900" dirty="0"/>
+              <a:t>After a quick look at the dataset, we picked up that over 120 mins horizon 	the 	TCC% value does not change much if at all. The first thing we did 	was try a 	naïve approach by taking the last non-negative value as our prediction for 	the 4 	upcoming time intervals. We acquired an even better result than we anticipated 	(after doing all the aforementioned 	preprocessing as well), a solid 88.87167—	easily into the top 15 even after 3 weeks into the </a:t>
+            </a:r>
+            <a:r>
+              <a:rPr lang="en-US" sz="1900" dirty="0" err="1"/>
+              <a:t>cournament</a:t>
+            </a:r>
+            <a:r>
+              <a:rPr lang="en-US" sz="1900" dirty="0"/>
+              <a:t>.</a:t>
+            </a:r>
+          </a:p>
+          <a:p>
+            <a:pPr lvl="2">
+              <a:buFont typeface="Courier New" panose="02070309020205020404" pitchFamily="49" charset="0"/>
+              <a:buChar char="o"/>
+            </a:pPr>
+            <a:r>
+              <a:rPr lang="en-US" b="1" dirty="0"/>
+              <a:t>Non-naïve</a:t>
+            </a:r>
+            <a:r>
+              <a:rPr lang="en-US" dirty="0"/>
+              <a:t>: </a:t>
+            </a:r>
+            <a:r>
+              <a:rPr lang="en-US" sz="1900" dirty="0"/>
+              <a:t>We figured that if we have any better-than-random prediction, we	could 	ensemble it with the already decent-performing naïve model and improve it, 	ever so slightly. We </a:t>
+            </a:r>
+            <a:r>
+              <a:rPr lang="en-US" sz="1900" dirty="0" err="1"/>
+              <a:t>tourned</a:t>
+            </a:r>
+            <a:r>
+              <a:rPr lang="en-US" sz="1900" dirty="0"/>
+              <a:t> out to be right. </a:t>
+            </a:r>
+          </a:p>
+          <a:p>
+            <a:pPr marL="914400" lvl="2" indent="0">
+              <a:buNone/>
+            </a:pPr>
+            <a:r>
+              <a:rPr lang="en-US" sz="1900" dirty="0"/>
+              <a:t>	Our best non-naïve model on its own achieved accuracy of over 87, and when 	ensembled (with 1:5 ratio to the naïve solution) reached our best record with 	an accuracy of 89.2.</a:t>
+            </a:r>
+          </a:p>
+          <a:p>
+            <a:pPr marL="914400" lvl="2" indent="0">
+              <a:buNone/>
+            </a:pPr>
+            <a:r>
+              <a:rPr lang="en-US" sz="1900" dirty="0"/>
+              <a:t>This ensemble with the non-naïve solution is </a:t>
+            </a:r>
+            <a:r>
+              <a:rPr lang="en-US" sz="1900" u="sng" dirty="0"/>
+              <a:t>essential</a:t>
+            </a:r>
+            <a:r>
+              <a:rPr lang="en-US" sz="1900" dirty="0"/>
+              <a:t> because with only the naïve prediction, we would rank around 30 or 40-ish in public leaderboard (the competition is fierce around the lower end of 89 mark) and wouldn’t stand a chance of getting through.</a:t>
             </a:r>
           </a:p>
         </p:txBody>
@@ -7099,6 +8371,446 @@
         <p:spPr>
           <a:xfrm>
             <a:off x="0" y="-66508"/>
+            <a:ext cx="1448217" cy="369332"/>
+          </a:xfrm>
+          <a:prstGeom prst="rect">
+            <a:avLst/>
+          </a:prstGeom>
+          <a:noFill/>
+        </p:spPr>
+        <p:txBody>
+          <a:bodyPr wrap="none" rtlCol="0">
+            <a:spAutoFit/>
+          </a:bodyPr>
+          <a:lstStyle/>
+          <a:p>
+            <a:r>
+              <a:rPr lang="en-US" dirty="0"/>
+              <a:t>Methodology</a:t>
+            </a:r>
+          </a:p>
+        </p:txBody>
+      </p:sp>
+      <p:sp>
+        <p:nvSpPr>
+          <p:cNvPr id="8" name="Content Placeholder 2">
+            <a:extLst>
+              <a:ext uri="{FF2B5EF4-FFF2-40B4-BE49-F238E27FC236}">
+                <a16:creationId xmlns:a16="http://schemas.microsoft.com/office/drawing/2014/main" id="{2C888624-E6EA-4040-9511-DBA60D45D155}"/>
+              </a:ext>
+            </a:extLst>
+          </p:cNvPr>
+          <p:cNvSpPr txBox="1">
+            <a:spLocks/>
+          </p:cNvSpPr>
+          <p:nvPr/>
+        </p:nvSpPr>
+        <p:spPr>
+          <a:xfrm>
+            <a:off x="990600" y="1978025"/>
+            <a:ext cx="10515600" cy="4351338"/>
+          </a:xfrm>
+          <a:prstGeom prst="rect">
+            <a:avLst/>
+          </a:prstGeom>
+        </p:spPr>
+        <p:txBody>
+          <a:bodyPr vert="horz" lIns="91440" tIns="45720" rIns="91440" bIns="45720" rtlCol="0">
+            <a:normAutofit/>
+          </a:bodyPr>
+          <a:lstStyle>
+            <a:lvl1pPr marL="228600" indent="-228600" algn="l" defTabSz="914400" rtl="0" eaLnBrk="1" latinLnBrk="0" hangingPunct="1">
+              <a:lnSpc>
+                <a:spcPct val="90000"/>
+              </a:lnSpc>
+              <a:spcBef>
+                <a:spcPts val="1000"/>
+              </a:spcBef>
+              <a:buFont typeface="Arial" panose="020B0604020202020204" pitchFamily="34" charset="0"/>
+              <a:buChar char="•"/>
+              <a:defRPr sz="2800" kern="1200">
+                <a:solidFill>
+                  <a:schemeClr val="tx1"/>
+                </a:solidFill>
+                <a:latin typeface="+mn-lt"/>
+                <a:ea typeface="+mn-ea"/>
+                <a:cs typeface="+mn-cs"/>
+              </a:defRPr>
+            </a:lvl1pPr>
+            <a:lvl2pPr marL="685800" indent="-228600" algn="l" defTabSz="914400" rtl="0" eaLnBrk="1" latinLnBrk="0" hangingPunct="1">
+              <a:lnSpc>
+                <a:spcPct val="90000"/>
+              </a:lnSpc>
+              <a:spcBef>
+                <a:spcPts val="500"/>
+              </a:spcBef>
+              <a:buFont typeface="Arial" panose="020B0604020202020204" pitchFamily="34" charset="0"/>
+              <a:buChar char="•"/>
+              <a:defRPr sz="2400" kern="1200">
+                <a:solidFill>
+                  <a:schemeClr val="tx1"/>
+                </a:solidFill>
+                <a:latin typeface="+mn-lt"/>
+                <a:ea typeface="+mn-ea"/>
+                <a:cs typeface="+mn-cs"/>
+              </a:defRPr>
+            </a:lvl2pPr>
+            <a:lvl3pPr marL="1143000" indent="-228600" algn="l" defTabSz="914400" rtl="0" eaLnBrk="1" latinLnBrk="0" hangingPunct="1">
+              <a:lnSpc>
+                <a:spcPct val="90000"/>
+              </a:lnSpc>
+              <a:spcBef>
+                <a:spcPts val="500"/>
+              </a:spcBef>
+              <a:buFont typeface="Arial" panose="020B0604020202020204" pitchFamily="34" charset="0"/>
+              <a:buChar char="•"/>
+              <a:defRPr sz="2000" kern="1200">
+                <a:solidFill>
+                  <a:schemeClr val="tx1"/>
+                </a:solidFill>
+                <a:latin typeface="+mn-lt"/>
+                <a:ea typeface="+mn-ea"/>
+                <a:cs typeface="+mn-cs"/>
+              </a:defRPr>
+            </a:lvl3pPr>
+            <a:lvl4pPr marL="1600200" indent="-228600" algn="l" defTabSz="914400" rtl="0" eaLnBrk="1" latinLnBrk="0" hangingPunct="1">
+              <a:lnSpc>
+                <a:spcPct val="90000"/>
+              </a:lnSpc>
+              <a:spcBef>
+                <a:spcPts val="500"/>
+              </a:spcBef>
+              <a:buFont typeface="Arial" panose="020B0604020202020204" pitchFamily="34" charset="0"/>
+              <a:buChar char="•"/>
+              <a:defRPr sz="1800" kern="1200">
+                <a:solidFill>
+                  <a:schemeClr val="tx1"/>
+                </a:solidFill>
+                <a:latin typeface="+mn-lt"/>
+                <a:ea typeface="+mn-ea"/>
+                <a:cs typeface="+mn-cs"/>
+              </a:defRPr>
+            </a:lvl4pPr>
+            <a:lvl5pPr marL="2057400" indent="-228600" algn="l" defTabSz="914400" rtl="0" eaLnBrk="1" latinLnBrk="0" hangingPunct="1">
+              <a:lnSpc>
+                <a:spcPct val="90000"/>
+              </a:lnSpc>
+              <a:spcBef>
+                <a:spcPts val="500"/>
+              </a:spcBef>
+              <a:buFont typeface="Arial" panose="020B0604020202020204" pitchFamily="34" charset="0"/>
+              <a:buChar char="•"/>
+              <a:defRPr sz="1800" kern="1200">
+                <a:solidFill>
+                  <a:schemeClr val="tx1"/>
+                </a:solidFill>
+                <a:latin typeface="+mn-lt"/>
+                <a:ea typeface="+mn-ea"/>
+                <a:cs typeface="+mn-cs"/>
+              </a:defRPr>
+            </a:lvl5pPr>
+            <a:lvl6pPr marL="2514600" indent="-228600" algn="l" defTabSz="914400" rtl="0" eaLnBrk="1" latinLnBrk="0" hangingPunct="1">
+              <a:lnSpc>
+                <a:spcPct val="90000"/>
+              </a:lnSpc>
+              <a:spcBef>
+                <a:spcPts val="500"/>
+              </a:spcBef>
+              <a:buFont typeface="Arial" panose="020B0604020202020204" pitchFamily="34" charset="0"/>
+              <a:buChar char="•"/>
+              <a:defRPr sz="1800" kern="1200">
+                <a:solidFill>
+                  <a:schemeClr val="tx1"/>
+                </a:solidFill>
+                <a:latin typeface="+mn-lt"/>
+                <a:ea typeface="+mn-ea"/>
+                <a:cs typeface="+mn-cs"/>
+              </a:defRPr>
+            </a:lvl6pPr>
+            <a:lvl7pPr marL="2971800" indent="-228600" algn="l" defTabSz="914400" rtl="0" eaLnBrk="1" latinLnBrk="0" hangingPunct="1">
+              <a:lnSpc>
+                <a:spcPct val="90000"/>
+              </a:lnSpc>
+              <a:spcBef>
+                <a:spcPts val="500"/>
+              </a:spcBef>
+              <a:buFont typeface="Arial" panose="020B0604020202020204" pitchFamily="34" charset="0"/>
+              <a:buChar char="•"/>
+              <a:defRPr sz="1800" kern="1200">
+                <a:solidFill>
+                  <a:schemeClr val="tx1"/>
+                </a:solidFill>
+                <a:latin typeface="+mn-lt"/>
+                <a:ea typeface="+mn-ea"/>
+                <a:cs typeface="+mn-cs"/>
+              </a:defRPr>
+            </a:lvl7pPr>
+            <a:lvl8pPr marL="3429000" indent="-228600" algn="l" defTabSz="914400" rtl="0" eaLnBrk="1" latinLnBrk="0" hangingPunct="1">
+              <a:lnSpc>
+                <a:spcPct val="90000"/>
+              </a:lnSpc>
+              <a:spcBef>
+                <a:spcPts val="500"/>
+              </a:spcBef>
+              <a:buFont typeface="Arial" panose="020B0604020202020204" pitchFamily="34" charset="0"/>
+              <a:buChar char="•"/>
+              <a:defRPr sz="1800" kern="1200">
+                <a:solidFill>
+                  <a:schemeClr val="tx1"/>
+                </a:solidFill>
+                <a:latin typeface="+mn-lt"/>
+                <a:ea typeface="+mn-ea"/>
+                <a:cs typeface="+mn-cs"/>
+              </a:defRPr>
+            </a:lvl8pPr>
+            <a:lvl9pPr marL="3886200" indent="-228600" algn="l" defTabSz="914400" rtl="0" eaLnBrk="1" latinLnBrk="0" hangingPunct="1">
+              <a:lnSpc>
+                <a:spcPct val="90000"/>
+              </a:lnSpc>
+              <a:spcBef>
+                <a:spcPts val="500"/>
+              </a:spcBef>
+              <a:buFont typeface="Arial" panose="020B0604020202020204" pitchFamily="34" charset="0"/>
+              <a:buChar char="•"/>
+              <a:defRPr sz="1800" kern="1200">
+                <a:solidFill>
+                  <a:schemeClr val="tx1"/>
+                </a:solidFill>
+                <a:latin typeface="+mn-lt"/>
+                <a:ea typeface="+mn-ea"/>
+                <a:cs typeface="+mn-cs"/>
+              </a:defRPr>
+            </a:lvl9pPr>
+          </a:lstStyle>
+          <a:p>
+            <a:endParaRPr lang="en-US" dirty="0"/>
+          </a:p>
+        </p:txBody>
+      </p:sp>
+    </p:spTree>
+    <p:extLst>
+      <p:ext uri="{BB962C8B-B14F-4D97-AF65-F5344CB8AC3E}">
+        <p14:creationId xmlns:p14="http://schemas.microsoft.com/office/powerpoint/2010/main" val="226682924"/>
+      </p:ext>
+    </p:extLst>
+  </p:cSld>
+  <p:clrMapOvr>
+    <a:masterClrMapping/>
+  </p:clrMapOvr>
+</p:sld>
+</file>
+
+<file path=ppt/slides/slide9.xml><?xml version="1.0" encoding="utf-8"?>
+<p:sld xmlns:a="http://schemas.openxmlformats.org/drawingml/2006/main" xmlns:r="http://schemas.openxmlformats.org/officeDocument/2006/relationships" xmlns:p="http://schemas.openxmlformats.org/presentationml/2006/main">
+  <p:cSld>
+    <p:spTree>
+      <p:nvGrpSpPr>
+        <p:cNvPr id="1" name=""/>
+        <p:cNvGrpSpPr/>
+        <p:nvPr/>
+      </p:nvGrpSpPr>
+      <p:grpSpPr>
+        <a:xfrm>
+          <a:off x="0" y="0"/>
+          <a:ext cx="0" cy="0"/>
+          <a:chOff x="0" y="0"/>
+          <a:chExt cx="0" cy="0"/>
+        </a:xfrm>
+      </p:grpSpPr>
+      <p:sp>
+        <p:nvSpPr>
+          <p:cNvPr id="2" name="Title 1">
+            <a:extLst>
+              <a:ext uri="{FF2B5EF4-FFF2-40B4-BE49-F238E27FC236}">
+                <a16:creationId xmlns:a16="http://schemas.microsoft.com/office/drawing/2014/main" id="{F22A3214-EFE5-40A4-8469-6FBEF9136647}"/>
+              </a:ext>
+            </a:extLst>
+          </p:cNvPr>
+          <p:cNvSpPr>
+            <a:spLocks noGrp="1"/>
+          </p:cNvSpPr>
+          <p:nvPr>
+            <p:ph type="title"/>
+          </p:nvPr>
+        </p:nvSpPr>
+        <p:spPr>
+          <a:xfrm>
+            <a:off x="151411" y="154527"/>
+            <a:ext cx="10515600" cy="836567"/>
+          </a:xfrm>
+        </p:spPr>
+        <p:txBody>
+          <a:bodyPr>
+            <a:normAutofit/>
+          </a:bodyPr>
+          <a:lstStyle/>
+          <a:p>
+            <a:r>
+              <a:rPr lang="en-US" sz="4000" dirty="0"/>
+              <a:t>Additional information</a:t>
+            </a:r>
+          </a:p>
+        </p:txBody>
+      </p:sp>
+      <p:sp>
+        <p:nvSpPr>
+          <p:cNvPr id="4" name="Rectangle 3">
+            <a:extLst>
+              <a:ext uri="{FF2B5EF4-FFF2-40B4-BE49-F238E27FC236}">
+                <a16:creationId xmlns:a16="http://schemas.microsoft.com/office/drawing/2014/main" id="{967E47A0-2566-4BE7-B903-B29AC2C54929}"/>
+              </a:ext>
+            </a:extLst>
+          </p:cNvPr>
+          <p:cNvSpPr/>
+          <p:nvPr/>
+        </p:nvSpPr>
+        <p:spPr>
+          <a:xfrm>
+            <a:off x="0" y="976590"/>
+            <a:ext cx="7080069" cy="108280"/>
+          </a:xfrm>
+          <a:prstGeom prst="rect">
+            <a:avLst/>
+          </a:prstGeom>
+          <a:solidFill>
+            <a:srgbClr val="ED1C24"/>
+          </a:solidFill>
+          <a:ln>
+            <a:solidFill>
+              <a:srgbClr val="ED1C24"/>
+            </a:solidFill>
+          </a:ln>
+        </p:spPr>
+        <p:style>
+          <a:lnRef idx="2">
+            <a:schemeClr val="accent1">
+              <a:shade val="50000"/>
+            </a:schemeClr>
+          </a:lnRef>
+          <a:fillRef idx="1">
+            <a:schemeClr val="accent1"/>
+          </a:fillRef>
+          <a:effectRef idx="0">
+            <a:schemeClr val="accent1"/>
+          </a:effectRef>
+          <a:fontRef idx="minor">
+            <a:schemeClr val="lt1"/>
+          </a:fontRef>
+        </p:style>
+        <p:txBody>
+          <a:bodyPr rtlCol="0" anchor="ctr"/>
+          <a:lstStyle/>
+          <a:p>
+            <a:pPr algn="ctr"/>
+            <a:endParaRPr lang="en-US"/>
+          </a:p>
+        </p:txBody>
+      </p:sp>
+      <p:sp>
+        <p:nvSpPr>
+          <p:cNvPr id="5" name="Rectangle 4">
+            <a:extLst>
+              <a:ext uri="{FF2B5EF4-FFF2-40B4-BE49-F238E27FC236}">
+                <a16:creationId xmlns:a16="http://schemas.microsoft.com/office/drawing/2014/main" id="{B9D5F680-38A8-47DD-BB95-A0E6CF51BE8E}"/>
+              </a:ext>
+            </a:extLst>
+          </p:cNvPr>
+          <p:cNvSpPr/>
+          <p:nvPr/>
+        </p:nvSpPr>
+        <p:spPr>
+          <a:xfrm>
+            <a:off x="1502229" y="976590"/>
+            <a:ext cx="8229600" cy="108280"/>
+          </a:xfrm>
+          <a:prstGeom prst="rect">
+            <a:avLst/>
+          </a:prstGeom>
+          <a:solidFill>
+            <a:srgbClr val="FFD500"/>
+          </a:solidFill>
+          <a:ln>
+            <a:solidFill>
+              <a:srgbClr val="FFD500"/>
+            </a:solidFill>
+          </a:ln>
+        </p:spPr>
+        <p:style>
+          <a:lnRef idx="2">
+            <a:schemeClr val="accent1">
+              <a:shade val="50000"/>
+            </a:schemeClr>
+          </a:lnRef>
+          <a:fillRef idx="1">
+            <a:schemeClr val="accent1"/>
+          </a:fillRef>
+          <a:effectRef idx="0">
+            <a:schemeClr val="accent1"/>
+          </a:effectRef>
+          <a:fontRef idx="minor">
+            <a:schemeClr val="lt1"/>
+          </a:fontRef>
+        </p:style>
+        <p:txBody>
+          <a:bodyPr rtlCol="0" anchor="ctr"/>
+          <a:lstStyle/>
+          <a:p>
+            <a:pPr algn="ctr"/>
+            <a:endParaRPr lang="en-US"/>
+          </a:p>
+        </p:txBody>
+      </p:sp>
+      <p:pic>
+        <p:nvPicPr>
+          <p:cNvPr id="6" name="Picture 5">
+            <a:extLst>
+              <a:ext uri="{FF2B5EF4-FFF2-40B4-BE49-F238E27FC236}">
+                <a16:creationId xmlns:a16="http://schemas.microsoft.com/office/drawing/2014/main" id="{94CC79EE-B68E-442C-88BB-A629E7A3C0E6}"/>
+              </a:ext>
+            </a:extLst>
+          </p:cNvPr>
+          <p:cNvPicPr>
+            <a:picLocks noChangeAspect="1"/>
+          </p:cNvPicPr>
+          <p:nvPr/>
+        </p:nvPicPr>
+        <p:blipFill>
+          <a:blip r:embed="rId2">
+            <a:extLst>
+              <a:ext uri="{28A0092B-C50C-407E-A947-70E740481C1C}">
+                <a14:useLocalDpi xmlns:a14="http://schemas.microsoft.com/office/drawing/2010/main" val="0"/>
+              </a:ext>
+            </a:extLst>
+          </a:blip>
+          <a:stretch>
+            <a:fillRect/>
+          </a:stretch>
+        </p:blipFill>
+        <p:spPr>
+          <a:xfrm>
+            <a:off x="11251685" y="217572"/>
+            <a:ext cx="632429" cy="585787"/>
+          </a:xfrm>
+          <a:prstGeom prst="rect">
+            <a:avLst/>
+          </a:prstGeom>
+        </p:spPr>
+      </p:pic>
+      <p:sp>
+        <p:nvSpPr>
+          <p:cNvPr id="7" name="TextBox 6">
+            <a:extLst>
+              <a:ext uri="{FF2B5EF4-FFF2-40B4-BE49-F238E27FC236}">
+                <a16:creationId xmlns:a16="http://schemas.microsoft.com/office/drawing/2014/main" id="{75138B6A-15BE-4F25-B903-6127269852DB}"/>
+              </a:ext>
+            </a:extLst>
+          </p:cNvPr>
+          <p:cNvSpPr txBox="1"/>
+          <p:nvPr/>
+        </p:nvSpPr>
+        <p:spPr>
+          <a:xfrm>
+            <a:off x="0" y="-66508"/>
             <a:ext cx="1441420" cy="369332"/>
           </a:xfrm>
           <a:prstGeom prst="rect">
@@ -7137,19 +8849,19 @@
         </p:nvSpPr>
         <p:spPr>
           <a:xfrm>
-            <a:off x="838199" y="1625422"/>
+            <a:off x="729914" y="1477125"/>
             <a:ext cx="10837985" cy="5606806"/>
           </a:xfrm>
         </p:spPr>
         <p:txBody>
-          <a:bodyPr>
+          <a:bodyPr vert="horz" lIns="91440" tIns="45720" rIns="91440" bIns="45720" rtlCol="0" anchor="t">
             <a:normAutofit/>
           </a:bodyPr>
           <a:lstStyle/>
           <a:p>
             <a:r>
-              <a:rPr lang="en-US" dirty="0"/>
-              <a:t>Hardware used for stage 1</a:t>
+              <a:rPr lang="en-US" sz="2000" dirty="0"/>
+              <a:t>Hardware</a:t>
             </a:r>
           </a:p>
           <a:p>
@@ -7157,22 +8869,30 @@
               <a:buNone/>
             </a:pPr>
             <a:r>
-              <a:rPr lang="en-US" sz="2400" dirty="0"/>
-              <a:t>We did not use accelerators and only utilize google </a:t>
-            </a:r>
-            <a:r>
-              <a:rPr lang="en-US" sz="2400" dirty="0" err="1"/>
-              <a:t>colab</a:t>
-            </a:r>
-            <a:r>
-              <a:rPr lang="en-US" sz="2400" dirty="0"/>
-              <a:t> for most of the training process and our own desktop for parallel work while training.</a:t>
-            </a:r>
-          </a:p>
-          <a:p>
-            <a:r>
-              <a:rPr lang="en-US" dirty="0"/>
-              <a:t>Software packages used for stage 1</a:t>
+              <a:rPr lang="en-US" sz="1800" dirty="0"/>
+              <a:t>We did not use accelerators. We however utilize Google </a:t>
+            </a:r>
+            <a:r>
+              <a:rPr lang="en-US" sz="1800" dirty="0" err="1"/>
+              <a:t>Colab</a:t>
+            </a:r>
+            <a:r>
+              <a:rPr lang="en-US" sz="1800" dirty="0"/>
+              <a:t> for most of the training process and our own desktop for parallel work while the model is being trained on </a:t>
+            </a:r>
+            <a:r>
+              <a:rPr lang="en-US" sz="1800" dirty="0" err="1"/>
+              <a:t>Colab</a:t>
+            </a:r>
+            <a:r>
+              <a:rPr lang="en-US" sz="1800" dirty="0"/>
+              <a:t>.</a:t>
+            </a:r>
+          </a:p>
+          <a:p>
+            <a:r>
+              <a:rPr lang="en-US" sz="2000" dirty="0"/>
+              <a:t>Software</a:t>
             </a:r>
           </a:p>
           <a:p>
@@ -7180,30 +8900,16 @@
               <a:buNone/>
             </a:pPr>
             <a:r>
-              <a:rPr lang="en-US" sz="2400" dirty="0"/>
-              <a:t>Python, scikit-learn, </a:t>
-            </a:r>
-            <a:r>
-              <a:rPr lang="en-US" sz="2400" dirty="0" err="1"/>
-              <a:t>jupyter</a:t>
-            </a:r>
-            <a:r>
-              <a:rPr lang="en-US" sz="2400" dirty="0"/>
-              <a:t> notebook and Google </a:t>
-            </a:r>
-            <a:r>
-              <a:rPr lang="en-US" sz="2400" dirty="0" err="1"/>
-              <a:t>Colab</a:t>
-            </a:r>
-            <a:r>
-              <a:rPr lang="en-US" sz="2400" dirty="0"/>
-              <a:t>.</a:t>
-            </a:r>
-          </a:p>
-          <a:p>
-            <a:r>
-              <a:rPr lang="en-US" dirty="0"/>
-              <a:t>Performance numbers</a:t>
+              <a:rPr lang="en-US" sz="1900" dirty="0"/>
+              <a:t>Python 3.9 programming language and its libraries (pandas, </a:t>
+            </a:r>
+            <a:r>
+              <a:rPr lang="en-US" sz="1900" dirty="0" err="1"/>
+              <a:t>numpy</a:t>
+            </a:r>
+            <a:r>
+              <a:rPr lang="en-US" sz="1900" dirty="0"/>
+              <a:t>, scikit-learn)</a:t>
             </a:r>
           </a:p>
           <a:p>
@@ -7211,14 +8917,23 @@
               <a:buNone/>
             </a:pPr>
             <a:r>
-              <a:rPr lang="en-US" sz="2400" dirty="0"/>
-              <a:t>Total time spent on training the models that get us the best score was around 2-3 hours.</a:t>
-            </a:r>
-          </a:p>
-          <a:p>
-            <a:r>
-              <a:rPr lang="en-US" dirty="0"/>
-              <a:t>License</a:t>
+              <a:rPr lang="en-US" sz="1900" dirty="0" err="1"/>
+              <a:t>Jupyter</a:t>
+            </a:r>
+            <a:r>
+              <a:rPr lang="en-US" sz="1900" dirty="0"/>
+              <a:t> Notebook and Google </a:t>
+            </a:r>
+            <a:r>
+              <a:rPr lang="en-US" sz="1900" dirty="0" err="1"/>
+              <a:t>Colab</a:t>
+            </a:r>
+            <a:endParaRPr lang="en-US" sz="1900" dirty="0"/>
+          </a:p>
+          <a:p>
+            <a:r>
+              <a:rPr lang="en-US" sz="2000" dirty="0"/>
+              <a:t>Performance numbers</a:t>
             </a:r>
           </a:p>
           <a:p>
@@ -7226,35 +8941,50 @@
               <a:buNone/>
             </a:pPr>
             <a:r>
-              <a:rPr lang="en-US" sz="2400" dirty="0"/>
-              <a:t>There is no license of any form </a:t>
-            </a:r>
-            <a:r>
-              <a:rPr lang="en-US" sz="2400" i="1" dirty="0"/>
-              <a:t>applied</a:t>
-            </a:r>
-            <a:r>
-              <a:rPr lang="en-US" sz="2400" dirty="0"/>
-              <a:t> to our solution.</a:t>
+              <a:rPr lang="en-US" sz="1900" dirty="0"/>
+              <a:t>Time spent training the models on </a:t>
+            </a:r>
+            <a:r>
+              <a:rPr lang="en-US" sz="1900" dirty="0" err="1"/>
+              <a:t>Colab</a:t>
+            </a:r>
+            <a:r>
+              <a:rPr lang="en-US" sz="1900" dirty="0"/>
+              <a:t> that gets us the final submitted score was around 2-3 hours.</a:t>
+            </a:r>
+          </a:p>
+          <a:p>
+            <a:r>
+              <a:rPr lang="en-US" sz="2000" dirty="0"/>
+              <a:t>License</a:t>
             </a:r>
           </a:p>
           <a:p>
             <a:pPr marL="0" indent="0">
               <a:buNone/>
             </a:pPr>
-            <a:endParaRPr lang="en-US" dirty="0"/>
+            <a:r>
+              <a:rPr lang="en-US" sz="1900" dirty="0"/>
+              <a:t>There is no license of any form applied to our solution.</a:t>
+            </a:r>
           </a:p>
           <a:p>
             <a:pPr marL="0" indent="0">
               <a:buNone/>
             </a:pPr>
-            <a:endParaRPr lang="en-US" dirty="0"/>
+            <a:endParaRPr lang="en-US" sz="2000" dirty="0"/>
           </a:p>
           <a:p>
             <a:pPr marL="0" indent="0">
               <a:buNone/>
             </a:pPr>
-            <a:endParaRPr lang="en-ID" dirty="0"/>
+            <a:endParaRPr lang="en-US" sz="2000" dirty="0"/>
+          </a:p>
+          <a:p>
+            <a:pPr marL="0" indent="0">
+              <a:buNone/>
+            </a:pPr>
+            <a:endParaRPr lang="en-ID" sz="2000" dirty="0"/>
           </a:p>
         </p:txBody>
       </p:sp>

--- a/alexandra_pitch-stage1-v1.pptx
+++ b/alexandra_pitch-stage1-v1.pptx
@@ -5,18 +5,17 @@
     <p:sldMasterId id="2147483648" r:id="rId1"/>
   </p:sldMasterIdLst>
   <p:handoutMasterIdLst>
-    <p:handoutMasterId r:id="rId11"/>
+    <p:handoutMasterId r:id="rId10"/>
   </p:handoutMasterIdLst>
   <p:sldIdLst>
     <p:sldId id="260" r:id="rId2"/>
     <p:sldId id="257" r:id="rId3"/>
     <p:sldId id="264" r:id="rId4"/>
-    <p:sldId id="266" r:id="rId5"/>
-    <p:sldId id="258" r:id="rId6"/>
-    <p:sldId id="259" r:id="rId7"/>
-    <p:sldId id="263" r:id="rId8"/>
-    <p:sldId id="265" r:id="rId9"/>
-    <p:sldId id="261" r:id="rId10"/>
+    <p:sldId id="258" r:id="rId5"/>
+    <p:sldId id="259" r:id="rId6"/>
+    <p:sldId id="263" r:id="rId7"/>
+    <p:sldId id="265" r:id="rId8"/>
+    <p:sldId id="261" r:id="rId9"/>
   </p:sldIdLst>
   <p:sldSz cx="12192000" cy="6858000"/>
   <p:notesSz cx="6858000" cy="9144000"/>
@@ -6131,7 +6130,11 @@
             </a:r>
             <a:r>
               <a:rPr lang="en-US" sz="2000" dirty="0"/>
-              <a:t>: 1 min interval (22.9M rows), including the target feature</a:t>
+              <a:t>: </a:t>
+            </a:r>
+            <a:r>
+              <a:rPr lang="en-US" sz="1900" dirty="0"/>
+              <a:t>1 min interval (22.9M rows), including the target feature</a:t>
             </a:r>
           </a:p>
           <a:p>
@@ -6145,7 +6148,11 @@
             </a:r>
             <a:r>
               <a:rPr lang="en-US" sz="2000" dirty="0"/>
-              <a:t>: Image data with 10 mins interval and available only during daytime</a:t>
+              <a:t>: </a:t>
+            </a:r>
+            <a:r>
+              <a:rPr lang="en-US" sz="1900" dirty="0"/>
+              <a:t>Image data with 10 mins interval and available only during daytime</a:t>
             </a:r>
           </a:p>
         </p:txBody>
@@ -6200,7 +6207,7 @@
         <p:spPr>
           <a:xfrm>
             <a:off x="486998" y="4318241"/>
-            <a:ext cx="11018304" cy="2246769"/>
+            <a:ext cx="11018304" cy="1862048"/>
           </a:xfrm>
           <a:prstGeom prst="rect">
             <a:avLst/>
@@ -6218,7 +6225,7 @@
               <a:buChar char="§"/>
             </a:pPr>
             <a:r>
-              <a:rPr lang="en-US" sz="2000" dirty="0"/>
+              <a:rPr lang="en-US" sz="1900" dirty="0"/>
               <a:t>Resample the dataset by averaging some number of data points. For the final models, the number is decided to be 2, where the accuracy is best (compared to some bigger numbers—less data) but with training time not exceeding a day work</a:t>
             </a:r>
           </a:p>
@@ -6228,16 +6235,16 @@
               <a:buChar char="§"/>
             </a:pPr>
             <a:r>
-              <a:rPr lang="en-US" sz="2000" dirty="0"/>
+              <a:rPr lang="en-US" sz="1900" dirty="0"/>
               <a:t>Remove nighttime records </a:t>
             </a:r>
             <a:r>
-              <a:rPr lang="en-US" sz="2000" b="1" dirty="0"/>
+              <a:rPr lang="en-US" sz="1900" b="1" dirty="0"/>
               <a:t>(TCC% = -1)</a:t>
             </a:r>
             <a:r>
-              <a:rPr lang="en-US" sz="2000" dirty="0"/>
-              <a:t> from the training dataset since the test dataset has negligible amount of nighttime data</a:t>
+              <a:rPr lang="en-US" sz="1900" dirty="0"/>
+              <a:t> from the training dataset since the test set has negligible amount of nighttime data</a:t>
             </a:r>
           </a:p>
           <a:p>
@@ -6246,15 +6253,15 @@
               <a:buChar char="§"/>
             </a:pPr>
             <a:r>
-              <a:rPr lang="en-US" sz="2000" dirty="0"/>
+              <a:rPr lang="en-US" sz="1900" dirty="0"/>
               <a:t>Replacing outlier records </a:t>
             </a:r>
             <a:r>
-              <a:rPr lang="en-US" sz="2000" b="1" dirty="0"/>
+              <a:rPr lang="en-US" sz="1900" b="1" dirty="0"/>
               <a:t>(TCC% = -7999) </a:t>
             </a:r>
             <a:r>
-              <a:rPr lang="en-US" sz="2000" dirty="0"/>
+              <a:rPr lang="en-US" sz="1900" dirty="0"/>
               <a:t>with the average of the previous and next non-negative values</a:t>
             </a:r>
           </a:p>
@@ -6310,7 +6317,7 @@
         <p:spPr>
           <a:xfrm>
             <a:off x="486998" y="2821876"/>
-            <a:ext cx="11162779" cy="1015663"/>
+            <a:ext cx="11162779" cy="969496"/>
           </a:xfrm>
           <a:prstGeom prst="rect">
             <a:avLst/>
@@ -6328,7 +6335,7 @@
               <a:buChar char="§"/>
             </a:pPr>
             <a:r>
-              <a:rPr lang="en-US" sz="2000" dirty="0"/>
+              <a:rPr lang="en-US" sz="1900" dirty="0"/>
               <a:t>No null values</a:t>
             </a:r>
           </a:p>
@@ -6338,7 +6345,7 @@
               <a:buChar char="§"/>
             </a:pPr>
             <a:r>
-              <a:rPr lang="en-US" sz="2000" dirty="0"/>
+              <a:rPr lang="en-US" sz="1900" dirty="0"/>
               <a:t>TCC% consists of negative values: -1 for night time</a:t>
             </a:r>
           </a:p>
@@ -6348,8 +6355,51 @@
               <a:buChar char="§"/>
             </a:pPr>
             <a:r>
-              <a:rPr lang="en-US" sz="2000" dirty="0"/>
+              <a:rPr lang="en-US" sz="1900" dirty="0"/>
               <a:t>Presumably for the times the measurement failed the TCC% value is -7999</a:t>
+            </a:r>
+          </a:p>
+        </p:txBody>
+      </p:sp>
+      <p:sp>
+        <p:nvSpPr>
+          <p:cNvPr id="17" name="TextBox 16">
+            <a:extLst>
+              <a:ext uri="{FF2B5EF4-FFF2-40B4-BE49-F238E27FC236}">
+                <a16:creationId xmlns:a16="http://schemas.microsoft.com/office/drawing/2014/main" id="{6C610DEB-00AF-420D-B3F4-C2C32C6672F0}"/>
+              </a:ext>
+            </a:extLst>
+          </p:cNvPr>
+          <p:cNvSpPr txBox="1"/>
+          <p:nvPr/>
+        </p:nvSpPr>
+        <p:spPr>
+          <a:xfrm>
+            <a:off x="486998" y="6322437"/>
+            <a:ext cx="10677755" cy="384721"/>
+          </a:xfrm>
+          <a:prstGeom prst="rect">
+            <a:avLst/>
+          </a:prstGeom>
+          <a:noFill/>
+        </p:spPr>
+        <p:txBody>
+          <a:bodyPr wrap="square">
+            <a:spAutoFit/>
+          </a:bodyPr>
+          <a:lstStyle/>
+          <a:p>
+            <a:r>
+              <a:rPr lang="en-US" sz="1800" dirty="0"/>
+              <a:t>Our solution </a:t>
+            </a:r>
+            <a:r>
+              <a:rPr lang="en-US" sz="1900" dirty="0"/>
+              <a:t>solely</a:t>
+            </a:r>
+            <a:r>
+              <a:rPr lang="en-US" sz="1800" dirty="0"/>
+              <a:t> depends on the dataset provided by the committee.</a:t>
             </a:r>
           </a:p>
         </p:txBody>
@@ -6368,6 +6418,296 @@
 </file>
 
 <file path=ppt/slides/slide4.xml><?xml version="1.0" encoding="utf-8"?>
+<p:sld xmlns:a="http://schemas.openxmlformats.org/drawingml/2006/main" xmlns:r="http://schemas.openxmlformats.org/officeDocument/2006/relationships" xmlns:p="http://schemas.openxmlformats.org/presentationml/2006/main" show="0">
+  <p:cSld>
+    <p:spTree>
+      <p:nvGrpSpPr>
+        <p:cNvPr id="1" name=""/>
+        <p:cNvGrpSpPr/>
+        <p:nvPr/>
+      </p:nvGrpSpPr>
+      <p:grpSpPr>
+        <a:xfrm>
+          <a:off x="0" y="0"/>
+          <a:ext cx="0" cy="0"/>
+          <a:chOff x="0" y="0"/>
+          <a:chExt cx="0" cy="0"/>
+        </a:xfrm>
+      </p:grpSpPr>
+      <p:sp>
+        <p:nvSpPr>
+          <p:cNvPr id="2" name="Title 1">
+            <a:extLst>
+              <a:ext uri="{FF2B5EF4-FFF2-40B4-BE49-F238E27FC236}">
+                <a16:creationId xmlns:a16="http://schemas.microsoft.com/office/drawing/2014/main" id="{7577126C-DFF9-4006-A194-2803291040CB}"/>
+              </a:ext>
+            </a:extLst>
+          </p:cNvPr>
+          <p:cNvSpPr>
+            <a:spLocks noGrp="1"/>
+          </p:cNvSpPr>
+          <p:nvPr>
+            <p:ph type="title"/>
+          </p:nvPr>
+        </p:nvSpPr>
+        <p:spPr>
+          <a:xfrm>
+            <a:off x="174171" y="0"/>
+            <a:ext cx="10515600" cy="1160917"/>
+          </a:xfrm>
+        </p:spPr>
+        <p:txBody>
+          <a:bodyPr>
+            <a:normAutofit/>
+          </a:bodyPr>
+          <a:lstStyle/>
+          <a:p>
+            <a:r>
+              <a:rPr lang="en-US" sz="4000" dirty="0"/>
+              <a:t>Pre-existing work</a:t>
+            </a:r>
+          </a:p>
+        </p:txBody>
+      </p:sp>
+      <p:sp>
+        <p:nvSpPr>
+          <p:cNvPr id="3" name="Content Placeholder 2">
+            <a:extLst>
+              <a:ext uri="{FF2B5EF4-FFF2-40B4-BE49-F238E27FC236}">
+                <a16:creationId xmlns:a16="http://schemas.microsoft.com/office/drawing/2014/main" id="{C3A34A5B-737C-42E3-9D00-EDCFD38A6B2D}"/>
+              </a:ext>
+            </a:extLst>
+          </p:cNvPr>
+          <p:cNvSpPr>
+            <a:spLocks noGrp="1"/>
+          </p:cNvSpPr>
+          <p:nvPr>
+            <p:ph idx="1"/>
+          </p:nvPr>
+        </p:nvSpPr>
+        <p:spPr>
+          <a:xfrm>
+            <a:off x="852854" y="1362982"/>
+            <a:ext cx="8878975" cy="4351338"/>
+          </a:xfrm>
+        </p:spPr>
+        <p:txBody>
+          <a:bodyPr>
+            <a:normAutofit/>
+          </a:bodyPr>
+          <a:lstStyle/>
+          <a:p>
+            <a:pPr marL="0" indent="0">
+              <a:buNone/>
+            </a:pPr>
+            <a:r>
+              <a:rPr lang="en-US" sz="1900" dirty="0"/>
+              <a:t>Our team did </a:t>
+            </a:r>
+            <a:r>
+              <a:rPr lang="en-US" sz="1900" b="1" dirty="0"/>
+              <a:t>not</a:t>
+            </a:r>
+            <a:r>
+              <a:rPr lang="en-US" sz="1900" dirty="0"/>
+              <a:t> have a specific reference in mind while working on the solution. We, however, tailor our solution to imitate a solution for a time-series problem as we vaguely remember similar problems (not one specific example in mind) being called one.</a:t>
+            </a:r>
+          </a:p>
+        </p:txBody>
+      </p:sp>
+      <p:sp>
+        <p:nvSpPr>
+          <p:cNvPr id="4" name="Rectangle 3">
+            <a:extLst>
+              <a:ext uri="{FF2B5EF4-FFF2-40B4-BE49-F238E27FC236}">
+                <a16:creationId xmlns:a16="http://schemas.microsoft.com/office/drawing/2014/main" id="{A8478BEB-D58A-4D8B-B09A-35D3187CB172}"/>
+              </a:ext>
+            </a:extLst>
+          </p:cNvPr>
+          <p:cNvSpPr/>
+          <p:nvPr/>
+        </p:nvSpPr>
+        <p:spPr>
+          <a:xfrm>
+            <a:off x="0" y="976590"/>
+            <a:ext cx="7080069" cy="108280"/>
+          </a:xfrm>
+          <a:prstGeom prst="rect">
+            <a:avLst/>
+          </a:prstGeom>
+          <a:solidFill>
+            <a:srgbClr val="ED1C24"/>
+          </a:solidFill>
+          <a:ln>
+            <a:solidFill>
+              <a:srgbClr val="ED1C24"/>
+            </a:solidFill>
+          </a:ln>
+        </p:spPr>
+        <p:style>
+          <a:lnRef idx="2">
+            <a:schemeClr val="accent1">
+              <a:shade val="50000"/>
+            </a:schemeClr>
+          </a:lnRef>
+          <a:fillRef idx="1">
+            <a:schemeClr val="accent1"/>
+          </a:fillRef>
+          <a:effectRef idx="0">
+            <a:schemeClr val="accent1"/>
+          </a:effectRef>
+          <a:fontRef idx="minor">
+            <a:schemeClr val="lt1"/>
+          </a:fontRef>
+        </p:style>
+        <p:txBody>
+          <a:bodyPr rtlCol="0" anchor="ctr"/>
+          <a:lstStyle/>
+          <a:p>
+            <a:pPr algn="ctr"/>
+            <a:endParaRPr lang="en-US"/>
+          </a:p>
+        </p:txBody>
+      </p:sp>
+      <p:sp>
+        <p:nvSpPr>
+          <p:cNvPr id="5" name="Rectangle 4">
+            <a:extLst>
+              <a:ext uri="{FF2B5EF4-FFF2-40B4-BE49-F238E27FC236}">
+                <a16:creationId xmlns:a16="http://schemas.microsoft.com/office/drawing/2014/main" id="{3A7051B6-5518-4602-9A66-8FE5DF3BFE49}"/>
+              </a:ext>
+            </a:extLst>
+          </p:cNvPr>
+          <p:cNvSpPr/>
+          <p:nvPr/>
+        </p:nvSpPr>
+        <p:spPr>
+          <a:xfrm>
+            <a:off x="1502229" y="976590"/>
+            <a:ext cx="8229600" cy="108280"/>
+          </a:xfrm>
+          <a:prstGeom prst="rect">
+            <a:avLst/>
+          </a:prstGeom>
+          <a:solidFill>
+            <a:srgbClr val="FFD500"/>
+          </a:solidFill>
+          <a:ln>
+            <a:solidFill>
+              <a:srgbClr val="FFD500"/>
+            </a:solidFill>
+          </a:ln>
+        </p:spPr>
+        <p:style>
+          <a:lnRef idx="2">
+            <a:schemeClr val="accent1">
+              <a:shade val="50000"/>
+            </a:schemeClr>
+          </a:lnRef>
+          <a:fillRef idx="1">
+            <a:schemeClr val="accent1"/>
+          </a:fillRef>
+          <a:effectRef idx="0">
+            <a:schemeClr val="accent1"/>
+          </a:effectRef>
+          <a:fontRef idx="minor">
+            <a:schemeClr val="lt1"/>
+          </a:fontRef>
+        </p:style>
+        <p:txBody>
+          <a:bodyPr rtlCol="0" anchor="ctr"/>
+          <a:lstStyle/>
+          <a:p>
+            <a:pPr algn="ctr"/>
+            <a:endParaRPr lang="en-US"/>
+          </a:p>
+        </p:txBody>
+      </p:sp>
+      <p:pic>
+        <p:nvPicPr>
+          <p:cNvPr id="6" name="Picture 5">
+            <a:extLst>
+              <a:ext uri="{FF2B5EF4-FFF2-40B4-BE49-F238E27FC236}">
+                <a16:creationId xmlns:a16="http://schemas.microsoft.com/office/drawing/2014/main" id="{55E7596A-4A1D-47D0-A8B5-77A077664189}"/>
+              </a:ext>
+            </a:extLst>
+          </p:cNvPr>
+          <p:cNvPicPr>
+            <a:picLocks noChangeAspect="1"/>
+          </p:cNvPicPr>
+          <p:nvPr/>
+        </p:nvPicPr>
+        <p:blipFill>
+          <a:blip r:embed="rId2">
+            <a:extLst>
+              <a:ext uri="{28A0092B-C50C-407E-A947-70E740481C1C}">
+                <a14:useLocalDpi xmlns:a14="http://schemas.microsoft.com/office/drawing/2010/main" val="0"/>
+              </a:ext>
+            </a:extLst>
+          </a:blip>
+          <a:stretch>
+            <a:fillRect/>
+          </a:stretch>
+        </p:blipFill>
+        <p:spPr>
+          <a:xfrm>
+            <a:off x="11251685" y="217572"/>
+            <a:ext cx="632429" cy="585787"/>
+          </a:xfrm>
+          <a:prstGeom prst="rect">
+            <a:avLst/>
+          </a:prstGeom>
+        </p:spPr>
+      </p:pic>
+      <p:sp>
+        <p:nvSpPr>
+          <p:cNvPr id="7" name="TextBox 6">
+            <a:extLst>
+              <a:ext uri="{FF2B5EF4-FFF2-40B4-BE49-F238E27FC236}">
+                <a16:creationId xmlns:a16="http://schemas.microsoft.com/office/drawing/2014/main" id="{62D22C11-50FE-4BA0-B82E-73584DBB846A}"/>
+              </a:ext>
+            </a:extLst>
+          </p:cNvPr>
+          <p:cNvSpPr txBox="1"/>
+          <p:nvPr/>
+        </p:nvSpPr>
+        <p:spPr>
+          <a:xfrm>
+            <a:off x="0" y="-66508"/>
+            <a:ext cx="1448217" cy="369332"/>
+          </a:xfrm>
+          <a:prstGeom prst="rect">
+            <a:avLst/>
+          </a:prstGeom>
+          <a:noFill/>
+        </p:spPr>
+        <p:txBody>
+          <a:bodyPr wrap="none" rtlCol="0">
+            <a:spAutoFit/>
+          </a:bodyPr>
+          <a:lstStyle/>
+          <a:p>
+            <a:r>
+              <a:rPr lang="en-US" dirty="0"/>
+              <a:t>Methodology</a:t>
+            </a:r>
+          </a:p>
+        </p:txBody>
+      </p:sp>
+    </p:spTree>
+    <p:extLst>
+      <p:ext uri="{BB962C8B-B14F-4D97-AF65-F5344CB8AC3E}">
+        <p14:creationId xmlns:p14="http://schemas.microsoft.com/office/powerpoint/2010/main" val="2335294455"/>
+      </p:ext>
+    </p:extLst>
+  </p:cSld>
+  <p:clrMapOvr>
+    <a:masterClrMapping/>
+  </p:clrMapOvr>
+</p:sld>
+</file>
+
+<file path=ppt/slides/slide5.xml><?xml version="1.0" encoding="utf-8"?>
 <p:sld xmlns:a="http://schemas.openxmlformats.org/drawingml/2006/main" xmlns:r="http://schemas.openxmlformats.org/officeDocument/2006/relationships" xmlns:p="http://schemas.openxmlformats.org/presentationml/2006/main">
   <p:cSld>
     <p:spTree>
@@ -6389,7 +6729,7 @@
           <p:cNvPr id="2" name="Title 1">
             <a:extLst>
               <a:ext uri="{FF2B5EF4-FFF2-40B4-BE49-F238E27FC236}">
-                <a16:creationId xmlns:a16="http://schemas.microsoft.com/office/drawing/2014/main" id="{E43DD7B3-38B2-4DBD-BC0E-2C7638D84EC5}"/>
+                <a16:creationId xmlns:a16="http://schemas.microsoft.com/office/drawing/2014/main" id="{F22A3214-EFE5-40A4-8469-6FBEF9136647}"/>
               </a:ext>
             </a:extLst>
           </p:cNvPr>
@@ -6402,29 +6742,73 @@
         </p:nvSpPr>
         <p:spPr>
           <a:xfrm>
-            <a:off x="174171" y="302824"/>
-            <a:ext cx="10515600" cy="585787"/>
+            <a:off x="174171" y="217572"/>
+            <a:ext cx="10515600" cy="728287"/>
           </a:xfrm>
         </p:spPr>
         <p:txBody>
           <a:bodyPr>
-            <a:normAutofit fontScale="90000"/>
+            <a:normAutofit/>
           </a:bodyPr>
           <a:lstStyle/>
           <a:p>
             <a:r>
-              <a:rPr lang="en-US" dirty="0"/>
-              <a:t>Dataset details</a:t>
-            </a:r>
-          </a:p>
-        </p:txBody>
-      </p:sp>
-      <p:sp>
-        <p:nvSpPr>
-          <p:cNvPr id="13" name="Rectangle 12">
-            <a:extLst>
-              <a:ext uri="{FF2B5EF4-FFF2-40B4-BE49-F238E27FC236}">
-                <a16:creationId xmlns:a16="http://schemas.microsoft.com/office/drawing/2014/main" id="{AAB9757B-56AC-46BA-B260-8CD1E8694EA5}"/>
+              <a:rPr lang="en-US" sz="4000" dirty="0"/>
+              <a:t>Experiment results</a:t>
+            </a:r>
+          </a:p>
+        </p:txBody>
+      </p:sp>
+      <p:sp>
+        <p:nvSpPr>
+          <p:cNvPr id="3" name="Content Placeholder 2">
+            <a:extLst>
+              <a:ext uri="{FF2B5EF4-FFF2-40B4-BE49-F238E27FC236}">
+                <a16:creationId xmlns:a16="http://schemas.microsoft.com/office/drawing/2014/main" id="{53C668A0-DFA8-49A7-8708-821E63524EF7}"/>
+              </a:ext>
+            </a:extLst>
+          </p:cNvPr>
+          <p:cNvSpPr>
+            <a:spLocks noGrp="1"/>
+          </p:cNvSpPr>
+          <p:nvPr>
+            <p:ph idx="1"/>
+          </p:nvPr>
+        </p:nvSpPr>
+        <p:spPr>
+          <a:xfrm>
+            <a:off x="835270" y="1359633"/>
+            <a:ext cx="8896559" cy="4351338"/>
+          </a:xfrm>
+        </p:spPr>
+        <p:txBody>
+          <a:bodyPr>
+            <a:normAutofit/>
+          </a:bodyPr>
+          <a:lstStyle/>
+          <a:p>
+            <a:r>
+              <a:rPr lang="en-US" sz="2000" dirty="0"/>
+              <a:t>Model details</a:t>
+            </a:r>
+          </a:p>
+          <a:p>
+            <a:pPr marL="0" indent="0">
+              <a:buNone/>
+            </a:pPr>
+            <a:r>
+              <a:rPr lang="en-US" sz="2000" dirty="0"/>
+              <a:t>Our final models are trained from scratch. We didn’t use any pre-trained model nor done any transfer learning in building the final model. We didn’t even do hyperparameter tuning.</a:t>
+            </a:r>
+          </a:p>
+        </p:txBody>
+      </p:sp>
+      <p:sp>
+        <p:nvSpPr>
+          <p:cNvPr id="4" name="Rectangle 3">
+            <a:extLst>
+              <a:ext uri="{FF2B5EF4-FFF2-40B4-BE49-F238E27FC236}">
+                <a16:creationId xmlns:a16="http://schemas.microsoft.com/office/drawing/2014/main" id="{967E47A0-2566-4BE7-B903-B29AC2C54929}"/>
               </a:ext>
             </a:extLst>
           </p:cNvPr>
@@ -6475,127 +6859,10 @@
       </p:sp>
       <p:sp>
         <p:nvSpPr>
-          <p:cNvPr id="18" name="TextBox 17">
-            <a:extLst>
-              <a:ext uri="{FF2B5EF4-FFF2-40B4-BE49-F238E27FC236}">
-                <a16:creationId xmlns:a16="http://schemas.microsoft.com/office/drawing/2014/main" id="{22359A84-A9E2-4FE5-B826-31222869703C}"/>
-              </a:ext>
-            </a:extLst>
-          </p:cNvPr>
-          <p:cNvSpPr txBox="1"/>
-          <p:nvPr/>
-        </p:nvSpPr>
-        <p:spPr>
-          <a:xfrm>
-            <a:off x="232041" y="1497026"/>
-            <a:ext cx="9499788" cy="3924151"/>
-          </a:xfrm>
-          <a:prstGeom prst="rect">
-            <a:avLst/>
-          </a:prstGeom>
-          <a:noFill/>
-        </p:spPr>
-        <p:txBody>
-          <a:bodyPr wrap="square" rtlCol="0">
-            <a:spAutoFit/>
-          </a:bodyPr>
-          <a:lstStyle/>
-          <a:p>
-            <a:r>
-              <a:rPr lang="en-US" sz="2000" dirty="0"/>
-              <a:t>Hence, the preprocessing we did was:</a:t>
-            </a:r>
-          </a:p>
-          <a:p>
-            <a:pPr marL="457200" indent="-457200">
-              <a:buFontTx/>
-              <a:buChar char="-"/>
-            </a:pPr>
-            <a:r>
-              <a:rPr lang="en-US" sz="1900" dirty="0"/>
-              <a:t>Resample the train and test set by averaging some number of data points. For the final models, the number is decided to be 2, where the accuracy is best (compared to some bigger numbers—less data) with reasonable training   duration.</a:t>
-            </a:r>
-          </a:p>
-          <a:p>
-            <a:pPr marL="457200" indent="-457200">
-              <a:buFontTx/>
-              <a:buChar char="-"/>
-            </a:pPr>
-            <a:r>
-              <a:rPr lang="en-US" sz="1900" dirty="0"/>
-              <a:t>After reviewing the test set, we find that there is very little -1 TCC% values on them so in order to further simplify the data, we decide to remove the data points with -1 TCC% values from the train set.</a:t>
-            </a:r>
-          </a:p>
-          <a:p>
-            <a:pPr marL="457200" indent="-457200">
-              <a:buFontTx/>
-              <a:buChar char="-"/>
-            </a:pPr>
-            <a:r>
-              <a:rPr lang="en-US" sz="1900" dirty="0"/>
-              <a:t>Replacing the -7999 values with the average of the previous and next non-negative values to remove what we deem as outliers.</a:t>
-            </a:r>
-          </a:p>
-          <a:p>
-            <a:pPr marL="457200" indent="-457200">
-              <a:buFontTx/>
-              <a:buChar char="-"/>
-            </a:pPr>
-            <a:endParaRPr lang="en-US" sz="2000" dirty="0"/>
-          </a:p>
-          <a:p>
-            <a:endParaRPr lang="en-US" sz="1900" dirty="0"/>
-          </a:p>
-          <a:p>
-            <a:r>
-              <a:rPr lang="en-US" sz="1900" dirty="0"/>
-              <a:t>Our solution solely depends on the dataset provided by the committee and it has no license applied to it that we know of.</a:t>
-            </a:r>
-          </a:p>
-        </p:txBody>
-      </p:sp>
-      <p:pic>
-        <p:nvPicPr>
-          <p:cNvPr id="19" name="Picture 18">
-            <a:extLst>
-              <a:ext uri="{FF2B5EF4-FFF2-40B4-BE49-F238E27FC236}">
-                <a16:creationId xmlns:a16="http://schemas.microsoft.com/office/drawing/2014/main" id="{79211EFC-79C8-4242-8D13-C1A55BF0D607}"/>
-              </a:ext>
-            </a:extLst>
-          </p:cNvPr>
-          <p:cNvPicPr>
-            <a:picLocks noChangeAspect="1"/>
-          </p:cNvPicPr>
-          <p:nvPr/>
-        </p:nvPicPr>
-        <p:blipFill>
-          <a:blip r:embed="rId2">
-            <a:extLst>
-              <a:ext uri="{28A0092B-C50C-407E-A947-70E740481C1C}">
-                <a14:useLocalDpi xmlns:a14="http://schemas.microsoft.com/office/drawing/2010/main" val="0"/>
-              </a:ext>
-            </a:extLst>
-          </a:blip>
-          <a:stretch>
-            <a:fillRect/>
-          </a:stretch>
-        </p:blipFill>
-        <p:spPr>
-          <a:xfrm>
-            <a:off x="11251685" y="217572"/>
-            <a:ext cx="632429" cy="585787"/>
-          </a:xfrm>
-          <a:prstGeom prst="rect">
-            <a:avLst/>
-          </a:prstGeom>
-        </p:spPr>
-      </p:pic>
-      <p:sp>
-        <p:nvSpPr>
-          <p:cNvPr id="20" name="Rectangle 19">
-            <a:extLst>
-              <a:ext uri="{FF2B5EF4-FFF2-40B4-BE49-F238E27FC236}">
-                <a16:creationId xmlns:a16="http://schemas.microsoft.com/office/drawing/2014/main" id="{CD06EDC0-F882-4630-BAEF-1C56DA0BD7F3}"/>
+          <p:cNvPr id="5" name="Rectangle 4">
+            <a:extLst>
+              <a:ext uri="{FF2B5EF4-FFF2-40B4-BE49-F238E27FC236}">
+                <a16:creationId xmlns:a16="http://schemas.microsoft.com/office/drawing/2014/main" id="{B9D5F680-38A8-47DD-BB95-A0E6CF51BE8E}"/>
               </a:ext>
             </a:extLst>
           </p:cNvPr>
@@ -6604,18 +6871,18 @@
         </p:nvSpPr>
         <p:spPr>
           <a:xfrm>
-            <a:off x="12746939" y="0"/>
-            <a:ext cx="369814" cy="1020932"/>
+            <a:off x="1502229" y="976590"/>
+            <a:ext cx="8229600" cy="108280"/>
           </a:xfrm>
           <a:prstGeom prst="rect">
             <a:avLst/>
           </a:prstGeom>
           <a:solidFill>
-            <a:srgbClr val="ED1C24"/>
+            <a:srgbClr val="FFD500"/>
           </a:solidFill>
           <a:ln>
             <a:solidFill>
-              <a:srgbClr val="ED1C24"/>
+              <a:srgbClr val="FFD500"/>
             </a:solidFill>
           </a:ln>
         </p:spPr>
@@ -6644,770 +6911,6 @@
           </a:p>
         </p:txBody>
       </p:sp>
-      <p:sp>
-        <p:nvSpPr>
-          <p:cNvPr id="21" name="Rectangle 20">
-            <a:extLst>
-              <a:ext uri="{FF2B5EF4-FFF2-40B4-BE49-F238E27FC236}">
-                <a16:creationId xmlns:a16="http://schemas.microsoft.com/office/drawing/2014/main" id="{C19D0A17-6BCD-41BD-B50F-926260E292D6}"/>
-              </a:ext>
-            </a:extLst>
-          </p:cNvPr>
-          <p:cNvSpPr/>
-          <p:nvPr/>
-        </p:nvSpPr>
-        <p:spPr>
-          <a:xfrm>
-            <a:off x="12363024" y="0"/>
-            <a:ext cx="374075" cy="1020932"/>
-          </a:xfrm>
-          <a:prstGeom prst="rect">
-            <a:avLst/>
-          </a:prstGeom>
-          <a:solidFill>
-            <a:srgbClr val="FFD500"/>
-          </a:solidFill>
-          <a:ln>
-            <a:solidFill>
-              <a:srgbClr val="FFD500"/>
-            </a:solidFill>
-          </a:ln>
-        </p:spPr>
-        <p:style>
-          <a:lnRef idx="2">
-            <a:schemeClr val="accent1">
-              <a:shade val="50000"/>
-            </a:schemeClr>
-          </a:lnRef>
-          <a:fillRef idx="1">
-            <a:schemeClr val="accent1"/>
-          </a:fillRef>
-          <a:effectRef idx="0">
-            <a:schemeClr val="accent1"/>
-          </a:effectRef>
-          <a:fontRef idx="minor">
-            <a:schemeClr val="lt1"/>
-          </a:fontRef>
-        </p:style>
-        <p:txBody>
-          <a:bodyPr rtlCol="0" anchor="ctr"/>
-          <a:lstStyle/>
-          <a:p>
-            <a:pPr algn="ctr"/>
-            <a:endParaRPr lang="en-US"/>
-          </a:p>
-        </p:txBody>
-      </p:sp>
-      <p:sp>
-        <p:nvSpPr>
-          <p:cNvPr id="22" name="Rectangle 21">
-            <a:extLst>
-              <a:ext uri="{FF2B5EF4-FFF2-40B4-BE49-F238E27FC236}">
-                <a16:creationId xmlns:a16="http://schemas.microsoft.com/office/drawing/2014/main" id="{D23D5626-E545-472A-9B67-2829C7FD62DC}"/>
-              </a:ext>
-            </a:extLst>
-          </p:cNvPr>
-          <p:cNvSpPr/>
-          <p:nvPr/>
-        </p:nvSpPr>
-        <p:spPr>
-          <a:xfrm>
-            <a:off x="1502229" y="976590"/>
-            <a:ext cx="8229600" cy="108280"/>
-          </a:xfrm>
-          <a:prstGeom prst="rect">
-            <a:avLst/>
-          </a:prstGeom>
-          <a:solidFill>
-            <a:srgbClr val="FFD500"/>
-          </a:solidFill>
-          <a:ln>
-            <a:solidFill>
-              <a:srgbClr val="FFD500"/>
-            </a:solidFill>
-          </a:ln>
-        </p:spPr>
-        <p:style>
-          <a:lnRef idx="2">
-            <a:schemeClr val="accent1">
-              <a:shade val="50000"/>
-            </a:schemeClr>
-          </a:lnRef>
-          <a:fillRef idx="1">
-            <a:schemeClr val="accent1"/>
-          </a:fillRef>
-          <a:effectRef idx="0">
-            <a:schemeClr val="accent1"/>
-          </a:effectRef>
-          <a:fontRef idx="minor">
-            <a:schemeClr val="lt1"/>
-          </a:fontRef>
-        </p:style>
-        <p:txBody>
-          <a:bodyPr rtlCol="0" anchor="ctr"/>
-          <a:lstStyle/>
-          <a:p>
-            <a:pPr algn="ctr"/>
-            <a:endParaRPr lang="en-US"/>
-          </a:p>
-        </p:txBody>
-      </p:sp>
-      <p:sp>
-        <p:nvSpPr>
-          <p:cNvPr id="23" name="TextBox 22">
-            <a:extLst>
-              <a:ext uri="{FF2B5EF4-FFF2-40B4-BE49-F238E27FC236}">
-                <a16:creationId xmlns:a16="http://schemas.microsoft.com/office/drawing/2014/main" id="{62E78707-A2ED-4BF7-AA37-04F091DEBF47}"/>
-              </a:ext>
-            </a:extLst>
-          </p:cNvPr>
-          <p:cNvSpPr txBox="1"/>
-          <p:nvPr/>
-        </p:nvSpPr>
-        <p:spPr>
-          <a:xfrm>
-            <a:off x="0" y="-66508"/>
-            <a:ext cx="1448217" cy="369332"/>
-          </a:xfrm>
-          <a:prstGeom prst="rect">
-            <a:avLst/>
-          </a:prstGeom>
-          <a:noFill/>
-        </p:spPr>
-        <p:txBody>
-          <a:bodyPr wrap="none" rtlCol="0">
-            <a:spAutoFit/>
-          </a:bodyPr>
-          <a:lstStyle/>
-          <a:p>
-            <a:r>
-              <a:rPr lang="en-US" dirty="0"/>
-              <a:t>Methodology</a:t>
-            </a:r>
-          </a:p>
-        </p:txBody>
-      </p:sp>
-      <p:sp>
-        <p:nvSpPr>
-          <p:cNvPr id="11" name="Rectangle 10">
-            <a:extLst>
-              <a:ext uri="{FF2B5EF4-FFF2-40B4-BE49-F238E27FC236}">
-                <a16:creationId xmlns:a16="http://schemas.microsoft.com/office/drawing/2014/main" id="{C4F7A257-014E-4ABA-9D66-E1C1077CBB2B}"/>
-              </a:ext>
-            </a:extLst>
-          </p:cNvPr>
-          <p:cNvSpPr/>
-          <p:nvPr/>
-        </p:nvSpPr>
-        <p:spPr>
-          <a:xfrm>
-            <a:off x="12372864" y="1248170"/>
-            <a:ext cx="374075" cy="1020932"/>
-          </a:xfrm>
-          <a:prstGeom prst="rect">
-            <a:avLst/>
-          </a:prstGeom>
-          <a:solidFill>
-            <a:schemeClr val="bg2">
-              <a:lumMod val="90000"/>
-            </a:schemeClr>
-          </a:solidFill>
-          <a:ln>
-            <a:solidFill>
-              <a:schemeClr val="bg2">
-                <a:lumMod val="90000"/>
-              </a:schemeClr>
-            </a:solidFill>
-          </a:ln>
-        </p:spPr>
-        <p:style>
-          <a:lnRef idx="2">
-            <a:schemeClr val="accent1">
-              <a:shade val="50000"/>
-            </a:schemeClr>
-          </a:lnRef>
-          <a:fillRef idx="1">
-            <a:schemeClr val="accent1"/>
-          </a:fillRef>
-          <a:effectRef idx="0">
-            <a:schemeClr val="accent1"/>
-          </a:effectRef>
-          <a:fontRef idx="minor">
-            <a:schemeClr val="lt1"/>
-          </a:fontRef>
-        </p:style>
-        <p:txBody>
-          <a:bodyPr rtlCol="0" anchor="ctr"/>
-          <a:lstStyle/>
-          <a:p>
-            <a:pPr algn="ctr"/>
-            <a:endParaRPr lang="en-US"/>
-          </a:p>
-        </p:txBody>
-      </p:sp>
-      <p:sp>
-        <p:nvSpPr>
-          <p:cNvPr id="12" name="Rectangle 11">
-            <a:extLst>
-              <a:ext uri="{FF2B5EF4-FFF2-40B4-BE49-F238E27FC236}">
-                <a16:creationId xmlns:a16="http://schemas.microsoft.com/office/drawing/2014/main" id="{7E67DB8A-7CC7-4E8C-9EB8-69F71526579D}"/>
-              </a:ext>
-            </a:extLst>
-          </p:cNvPr>
-          <p:cNvSpPr/>
-          <p:nvPr/>
-        </p:nvSpPr>
-        <p:spPr>
-          <a:xfrm>
-            <a:off x="12746939" y="1248170"/>
-            <a:ext cx="374075" cy="1020932"/>
-          </a:xfrm>
-          <a:prstGeom prst="rect">
-            <a:avLst/>
-          </a:prstGeom>
-          <a:solidFill>
-            <a:schemeClr val="bg2">
-              <a:lumMod val="25000"/>
-            </a:schemeClr>
-          </a:solidFill>
-          <a:ln>
-            <a:solidFill>
-              <a:schemeClr val="bg2">
-                <a:lumMod val="25000"/>
-              </a:schemeClr>
-            </a:solidFill>
-          </a:ln>
-        </p:spPr>
-        <p:style>
-          <a:lnRef idx="2">
-            <a:schemeClr val="accent1">
-              <a:shade val="50000"/>
-            </a:schemeClr>
-          </a:lnRef>
-          <a:fillRef idx="1">
-            <a:schemeClr val="accent1"/>
-          </a:fillRef>
-          <a:effectRef idx="0">
-            <a:schemeClr val="accent1"/>
-          </a:effectRef>
-          <a:fontRef idx="minor">
-            <a:schemeClr val="lt1"/>
-          </a:fontRef>
-        </p:style>
-        <p:txBody>
-          <a:bodyPr rtlCol="0" anchor="ctr"/>
-          <a:lstStyle/>
-          <a:p>
-            <a:pPr algn="ctr"/>
-            <a:endParaRPr lang="en-US">
-              <a:solidFill>
-                <a:schemeClr val="bg2">
-                  <a:lumMod val="25000"/>
-                </a:schemeClr>
-              </a:solidFill>
-            </a:endParaRPr>
-          </a:p>
-        </p:txBody>
-      </p:sp>
-    </p:spTree>
-    <p:extLst>
-      <p:ext uri="{BB962C8B-B14F-4D97-AF65-F5344CB8AC3E}">
-        <p14:creationId xmlns:p14="http://schemas.microsoft.com/office/powerpoint/2010/main" val="1330972907"/>
-      </p:ext>
-    </p:extLst>
-  </p:cSld>
-  <p:clrMapOvr>
-    <a:masterClrMapping/>
-  </p:clrMapOvr>
-</p:sld>
-</file>
-
-<file path=ppt/slides/slide5.xml><?xml version="1.0" encoding="utf-8"?>
-<p:sld xmlns:a="http://schemas.openxmlformats.org/drawingml/2006/main" xmlns:r="http://schemas.openxmlformats.org/officeDocument/2006/relationships" xmlns:p="http://schemas.openxmlformats.org/presentationml/2006/main" show="0">
-  <p:cSld>
-    <p:spTree>
-      <p:nvGrpSpPr>
-        <p:cNvPr id="1" name=""/>
-        <p:cNvGrpSpPr/>
-        <p:nvPr/>
-      </p:nvGrpSpPr>
-      <p:grpSpPr>
-        <a:xfrm>
-          <a:off x="0" y="0"/>
-          <a:ext cx="0" cy="0"/>
-          <a:chOff x="0" y="0"/>
-          <a:chExt cx="0" cy="0"/>
-        </a:xfrm>
-      </p:grpSpPr>
-      <p:sp>
-        <p:nvSpPr>
-          <p:cNvPr id="2" name="Title 1">
-            <a:extLst>
-              <a:ext uri="{FF2B5EF4-FFF2-40B4-BE49-F238E27FC236}">
-                <a16:creationId xmlns:a16="http://schemas.microsoft.com/office/drawing/2014/main" id="{7577126C-DFF9-4006-A194-2803291040CB}"/>
-              </a:ext>
-            </a:extLst>
-          </p:cNvPr>
-          <p:cNvSpPr>
-            <a:spLocks noGrp="1"/>
-          </p:cNvSpPr>
-          <p:nvPr>
-            <p:ph type="title"/>
-          </p:nvPr>
-        </p:nvSpPr>
-        <p:spPr>
-          <a:xfrm>
-            <a:off x="174171" y="0"/>
-            <a:ext cx="10515600" cy="1160917"/>
-          </a:xfrm>
-        </p:spPr>
-        <p:txBody>
-          <a:bodyPr>
-            <a:normAutofit/>
-          </a:bodyPr>
-          <a:lstStyle/>
-          <a:p>
-            <a:r>
-              <a:rPr lang="en-US" sz="4000" dirty="0"/>
-              <a:t>Pre-existing work</a:t>
-            </a:r>
-          </a:p>
-        </p:txBody>
-      </p:sp>
-      <p:sp>
-        <p:nvSpPr>
-          <p:cNvPr id="3" name="Content Placeholder 2">
-            <a:extLst>
-              <a:ext uri="{FF2B5EF4-FFF2-40B4-BE49-F238E27FC236}">
-                <a16:creationId xmlns:a16="http://schemas.microsoft.com/office/drawing/2014/main" id="{C3A34A5B-737C-42E3-9D00-EDCFD38A6B2D}"/>
-              </a:ext>
-            </a:extLst>
-          </p:cNvPr>
-          <p:cNvSpPr>
-            <a:spLocks noGrp="1"/>
-          </p:cNvSpPr>
-          <p:nvPr>
-            <p:ph idx="1"/>
-          </p:nvPr>
-        </p:nvSpPr>
-        <p:spPr>
-          <a:xfrm>
-            <a:off x="844063" y="1758636"/>
-            <a:ext cx="8887766" cy="4351338"/>
-          </a:xfrm>
-        </p:spPr>
-        <p:txBody>
-          <a:bodyPr>
-            <a:normAutofit/>
-          </a:bodyPr>
-          <a:lstStyle/>
-          <a:p>
-            <a:pPr marL="0" indent="0">
-              <a:buNone/>
-            </a:pPr>
-            <a:r>
-              <a:rPr lang="en-US" sz="1900" dirty="0"/>
-              <a:t>Our team did not have a specific reference in mind while working on the solution. We, however, tailor our solution to imitate a solution for a time-series problem as we vaguely remember similar problems (not one specific example in mind) being called one.</a:t>
-            </a:r>
-          </a:p>
-        </p:txBody>
-      </p:sp>
-      <p:sp>
-        <p:nvSpPr>
-          <p:cNvPr id="4" name="Rectangle 3">
-            <a:extLst>
-              <a:ext uri="{FF2B5EF4-FFF2-40B4-BE49-F238E27FC236}">
-                <a16:creationId xmlns:a16="http://schemas.microsoft.com/office/drawing/2014/main" id="{A8478BEB-D58A-4D8B-B09A-35D3187CB172}"/>
-              </a:ext>
-            </a:extLst>
-          </p:cNvPr>
-          <p:cNvSpPr/>
-          <p:nvPr/>
-        </p:nvSpPr>
-        <p:spPr>
-          <a:xfrm>
-            <a:off x="0" y="976590"/>
-            <a:ext cx="7080069" cy="108280"/>
-          </a:xfrm>
-          <a:prstGeom prst="rect">
-            <a:avLst/>
-          </a:prstGeom>
-          <a:solidFill>
-            <a:srgbClr val="ED1C24"/>
-          </a:solidFill>
-          <a:ln>
-            <a:solidFill>
-              <a:srgbClr val="ED1C24"/>
-            </a:solidFill>
-          </a:ln>
-        </p:spPr>
-        <p:style>
-          <a:lnRef idx="2">
-            <a:schemeClr val="accent1">
-              <a:shade val="50000"/>
-            </a:schemeClr>
-          </a:lnRef>
-          <a:fillRef idx="1">
-            <a:schemeClr val="accent1"/>
-          </a:fillRef>
-          <a:effectRef idx="0">
-            <a:schemeClr val="accent1"/>
-          </a:effectRef>
-          <a:fontRef idx="minor">
-            <a:schemeClr val="lt1"/>
-          </a:fontRef>
-        </p:style>
-        <p:txBody>
-          <a:bodyPr rtlCol="0" anchor="ctr"/>
-          <a:lstStyle/>
-          <a:p>
-            <a:pPr algn="ctr"/>
-            <a:endParaRPr lang="en-US"/>
-          </a:p>
-        </p:txBody>
-      </p:sp>
-      <p:sp>
-        <p:nvSpPr>
-          <p:cNvPr id="5" name="Rectangle 4">
-            <a:extLst>
-              <a:ext uri="{FF2B5EF4-FFF2-40B4-BE49-F238E27FC236}">
-                <a16:creationId xmlns:a16="http://schemas.microsoft.com/office/drawing/2014/main" id="{3A7051B6-5518-4602-9A66-8FE5DF3BFE49}"/>
-              </a:ext>
-            </a:extLst>
-          </p:cNvPr>
-          <p:cNvSpPr/>
-          <p:nvPr/>
-        </p:nvSpPr>
-        <p:spPr>
-          <a:xfrm>
-            <a:off x="1502229" y="976590"/>
-            <a:ext cx="8229600" cy="108280"/>
-          </a:xfrm>
-          <a:prstGeom prst="rect">
-            <a:avLst/>
-          </a:prstGeom>
-          <a:solidFill>
-            <a:srgbClr val="FFD500"/>
-          </a:solidFill>
-          <a:ln>
-            <a:solidFill>
-              <a:srgbClr val="FFD500"/>
-            </a:solidFill>
-          </a:ln>
-        </p:spPr>
-        <p:style>
-          <a:lnRef idx="2">
-            <a:schemeClr val="accent1">
-              <a:shade val="50000"/>
-            </a:schemeClr>
-          </a:lnRef>
-          <a:fillRef idx="1">
-            <a:schemeClr val="accent1"/>
-          </a:fillRef>
-          <a:effectRef idx="0">
-            <a:schemeClr val="accent1"/>
-          </a:effectRef>
-          <a:fontRef idx="minor">
-            <a:schemeClr val="lt1"/>
-          </a:fontRef>
-        </p:style>
-        <p:txBody>
-          <a:bodyPr rtlCol="0" anchor="ctr"/>
-          <a:lstStyle/>
-          <a:p>
-            <a:pPr algn="ctr"/>
-            <a:endParaRPr lang="en-US"/>
-          </a:p>
-        </p:txBody>
-      </p:sp>
-      <p:pic>
-        <p:nvPicPr>
-          <p:cNvPr id="6" name="Picture 5">
-            <a:extLst>
-              <a:ext uri="{FF2B5EF4-FFF2-40B4-BE49-F238E27FC236}">
-                <a16:creationId xmlns:a16="http://schemas.microsoft.com/office/drawing/2014/main" id="{55E7596A-4A1D-47D0-A8B5-77A077664189}"/>
-              </a:ext>
-            </a:extLst>
-          </p:cNvPr>
-          <p:cNvPicPr>
-            <a:picLocks noChangeAspect="1"/>
-          </p:cNvPicPr>
-          <p:nvPr/>
-        </p:nvPicPr>
-        <p:blipFill>
-          <a:blip r:embed="rId2">
-            <a:extLst>
-              <a:ext uri="{28A0092B-C50C-407E-A947-70E740481C1C}">
-                <a14:useLocalDpi xmlns:a14="http://schemas.microsoft.com/office/drawing/2010/main" val="0"/>
-              </a:ext>
-            </a:extLst>
-          </a:blip>
-          <a:stretch>
-            <a:fillRect/>
-          </a:stretch>
-        </p:blipFill>
-        <p:spPr>
-          <a:xfrm>
-            <a:off x="11251685" y="217572"/>
-            <a:ext cx="632429" cy="585787"/>
-          </a:xfrm>
-          <a:prstGeom prst="rect">
-            <a:avLst/>
-          </a:prstGeom>
-        </p:spPr>
-      </p:pic>
-      <p:sp>
-        <p:nvSpPr>
-          <p:cNvPr id="7" name="TextBox 6">
-            <a:extLst>
-              <a:ext uri="{FF2B5EF4-FFF2-40B4-BE49-F238E27FC236}">
-                <a16:creationId xmlns:a16="http://schemas.microsoft.com/office/drawing/2014/main" id="{62D22C11-50FE-4BA0-B82E-73584DBB846A}"/>
-              </a:ext>
-            </a:extLst>
-          </p:cNvPr>
-          <p:cNvSpPr txBox="1"/>
-          <p:nvPr/>
-        </p:nvSpPr>
-        <p:spPr>
-          <a:xfrm>
-            <a:off x="0" y="-66508"/>
-            <a:ext cx="1448217" cy="369332"/>
-          </a:xfrm>
-          <a:prstGeom prst="rect">
-            <a:avLst/>
-          </a:prstGeom>
-          <a:noFill/>
-        </p:spPr>
-        <p:txBody>
-          <a:bodyPr wrap="none" rtlCol="0">
-            <a:spAutoFit/>
-          </a:bodyPr>
-          <a:lstStyle/>
-          <a:p>
-            <a:r>
-              <a:rPr lang="en-US" dirty="0"/>
-              <a:t>Methodology</a:t>
-            </a:r>
-          </a:p>
-        </p:txBody>
-      </p:sp>
-    </p:spTree>
-    <p:extLst>
-      <p:ext uri="{BB962C8B-B14F-4D97-AF65-F5344CB8AC3E}">
-        <p14:creationId xmlns:p14="http://schemas.microsoft.com/office/powerpoint/2010/main" val="2335294455"/>
-      </p:ext>
-    </p:extLst>
-  </p:cSld>
-  <p:clrMapOvr>
-    <a:masterClrMapping/>
-  </p:clrMapOvr>
-</p:sld>
-</file>
-
-<file path=ppt/slides/slide6.xml><?xml version="1.0" encoding="utf-8"?>
-<p:sld xmlns:a="http://schemas.openxmlformats.org/drawingml/2006/main" xmlns:r="http://schemas.openxmlformats.org/officeDocument/2006/relationships" xmlns:p="http://schemas.openxmlformats.org/presentationml/2006/main">
-  <p:cSld>
-    <p:spTree>
-      <p:nvGrpSpPr>
-        <p:cNvPr id="1" name=""/>
-        <p:cNvGrpSpPr/>
-        <p:nvPr/>
-      </p:nvGrpSpPr>
-      <p:grpSpPr>
-        <a:xfrm>
-          <a:off x="0" y="0"/>
-          <a:ext cx="0" cy="0"/>
-          <a:chOff x="0" y="0"/>
-          <a:chExt cx="0" cy="0"/>
-        </a:xfrm>
-      </p:grpSpPr>
-      <p:sp>
-        <p:nvSpPr>
-          <p:cNvPr id="2" name="Title 1">
-            <a:extLst>
-              <a:ext uri="{FF2B5EF4-FFF2-40B4-BE49-F238E27FC236}">
-                <a16:creationId xmlns:a16="http://schemas.microsoft.com/office/drawing/2014/main" id="{F22A3214-EFE5-40A4-8469-6FBEF9136647}"/>
-              </a:ext>
-            </a:extLst>
-          </p:cNvPr>
-          <p:cNvSpPr>
-            <a:spLocks noGrp="1"/>
-          </p:cNvSpPr>
-          <p:nvPr>
-            <p:ph type="title"/>
-          </p:nvPr>
-        </p:nvSpPr>
-        <p:spPr>
-          <a:xfrm>
-            <a:off x="174171" y="217572"/>
-            <a:ext cx="10515600" cy="728287"/>
-          </a:xfrm>
-        </p:spPr>
-        <p:txBody>
-          <a:bodyPr>
-            <a:normAutofit/>
-          </a:bodyPr>
-          <a:lstStyle/>
-          <a:p>
-            <a:r>
-              <a:rPr lang="en-US" sz="4000" dirty="0"/>
-              <a:t>Experiment results</a:t>
-            </a:r>
-          </a:p>
-        </p:txBody>
-      </p:sp>
-      <p:sp>
-        <p:nvSpPr>
-          <p:cNvPr id="3" name="Content Placeholder 2">
-            <a:extLst>
-              <a:ext uri="{FF2B5EF4-FFF2-40B4-BE49-F238E27FC236}">
-                <a16:creationId xmlns:a16="http://schemas.microsoft.com/office/drawing/2014/main" id="{53C668A0-DFA8-49A7-8708-821E63524EF7}"/>
-              </a:ext>
-            </a:extLst>
-          </p:cNvPr>
-          <p:cNvSpPr>
-            <a:spLocks noGrp="1"/>
-          </p:cNvSpPr>
-          <p:nvPr>
-            <p:ph idx="1"/>
-          </p:nvPr>
-        </p:nvSpPr>
-        <p:spPr>
-          <a:xfrm>
-            <a:off x="835270" y="1359633"/>
-            <a:ext cx="8896559" cy="4351338"/>
-          </a:xfrm>
-        </p:spPr>
-        <p:txBody>
-          <a:bodyPr>
-            <a:normAutofit/>
-          </a:bodyPr>
-          <a:lstStyle/>
-          <a:p>
-            <a:r>
-              <a:rPr lang="en-US" sz="2000" dirty="0"/>
-              <a:t>Model details</a:t>
-            </a:r>
-          </a:p>
-          <a:p>
-            <a:pPr marL="0" indent="0">
-              <a:buNone/>
-            </a:pPr>
-            <a:r>
-              <a:rPr lang="en-US" sz="2000" dirty="0"/>
-              <a:t>Our final models are trained from scratch. We didn’t use any pre-trained model nor done any transfer learning in building the final model. We didn’t even do hyperparameter tuning.</a:t>
-            </a:r>
-          </a:p>
-        </p:txBody>
-      </p:sp>
-      <p:sp>
-        <p:nvSpPr>
-          <p:cNvPr id="4" name="Rectangle 3">
-            <a:extLst>
-              <a:ext uri="{FF2B5EF4-FFF2-40B4-BE49-F238E27FC236}">
-                <a16:creationId xmlns:a16="http://schemas.microsoft.com/office/drawing/2014/main" id="{967E47A0-2566-4BE7-B903-B29AC2C54929}"/>
-              </a:ext>
-            </a:extLst>
-          </p:cNvPr>
-          <p:cNvSpPr/>
-          <p:nvPr/>
-        </p:nvSpPr>
-        <p:spPr>
-          <a:xfrm>
-            <a:off x="0" y="976590"/>
-            <a:ext cx="7080069" cy="108280"/>
-          </a:xfrm>
-          <a:prstGeom prst="rect">
-            <a:avLst/>
-          </a:prstGeom>
-          <a:solidFill>
-            <a:srgbClr val="ED1C24"/>
-          </a:solidFill>
-          <a:ln>
-            <a:solidFill>
-              <a:srgbClr val="ED1C24"/>
-            </a:solidFill>
-          </a:ln>
-        </p:spPr>
-        <p:style>
-          <a:lnRef idx="2">
-            <a:schemeClr val="accent1">
-              <a:shade val="50000"/>
-            </a:schemeClr>
-          </a:lnRef>
-          <a:fillRef idx="1">
-            <a:schemeClr val="accent1"/>
-          </a:fillRef>
-          <a:effectRef idx="0">
-            <a:schemeClr val="accent1"/>
-          </a:effectRef>
-          <a:fontRef idx="minor">
-            <a:schemeClr val="lt1"/>
-          </a:fontRef>
-        </p:style>
-        <p:txBody>
-          <a:bodyPr rtlCol="0" anchor="ctr"/>
-          <a:lstStyle/>
-          <a:p>
-            <a:pPr algn="ctr"/>
-            <a:endParaRPr lang="en-US"/>
-          </a:p>
-        </p:txBody>
-      </p:sp>
-      <p:sp>
-        <p:nvSpPr>
-          <p:cNvPr id="5" name="Rectangle 4">
-            <a:extLst>
-              <a:ext uri="{FF2B5EF4-FFF2-40B4-BE49-F238E27FC236}">
-                <a16:creationId xmlns:a16="http://schemas.microsoft.com/office/drawing/2014/main" id="{B9D5F680-38A8-47DD-BB95-A0E6CF51BE8E}"/>
-              </a:ext>
-            </a:extLst>
-          </p:cNvPr>
-          <p:cNvSpPr/>
-          <p:nvPr/>
-        </p:nvSpPr>
-        <p:spPr>
-          <a:xfrm>
-            <a:off x="1502229" y="976590"/>
-            <a:ext cx="8229600" cy="108280"/>
-          </a:xfrm>
-          <a:prstGeom prst="rect">
-            <a:avLst/>
-          </a:prstGeom>
-          <a:solidFill>
-            <a:srgbClr val="FFD500"/>
-          </a:solidFill>
-          <a:ln>
-            <a:solidFill>
-              <a:srgbClr val="FFD500"/>
-            </a:solidFill>
-          </a:ln>
-        </p:spPr>
-        <p:style>
-          <a:lnRef idx="2">
-            <a:schemeClr val="accent1">
-              <a:shade val="50000"/>
-            </a:schemeClr>
-          </a:lnRef>
-          <a:fillRef idx="1">
-            <a:schemeClr val="accent1"/>
-          </a:fillRef>
-          <a:effectRef idx="0">
-            <a:schemeClr val="accent1"/>
-          </a:effectRef>
-          <a:fontRef idx="minor">
-            <a:schemeClr val="lt1"/>
-          </a:fontRef>
-        </p:style>
-        <p:txBody>
-          <a:bodyPr rtlCol="0" anchor="ctr"/>
-          <a:lstStyle/>
-          <a:p>
-            <a:pPr algn="ctr"/>
-            <a:endParaRPr lang="en-US"/>
-          </a:p>
-        </p:txBody>
-      </p:sp>
       <p:pic>
         <p:nvPicPr>
           <p:cNvPr id="6" name="Picture 5">
@@ -7492,7 +6995,7 @@
 </p:sld>
 </file>
 
-<file path=ppt/slides/slide7.xml><?xml version="1.0" encoding="utf-8"?>
+<file path=ppt/slides/slide6.xml><?xml version="1.0" encoding="utf-8"?>
 <p:sld xmlns:a="http://schemas.openxmlformats.org/drawingml/2006/main" xmlns:r="http://schemas.openxmlformats.org/officeDocument/2006/relationships" xmlns:p="http://schemas.openxmlformats.org/presentationml/2006/main">
   <p:cSld>
     <p:spTree>
@@ -8037,7 +7540,7 @@
 </p:sld>
 </file>
 
-<file path=ppt/slides/slide8.xml><?xml version="1.0" encoding="utf-8"?>
+<file path=ppt/slides/slide7.xml><?xml version="1.0" encoding="utf-8"?>
 <p:sld xmlns:a="http://schemas.openxmlformats.org/drawingml/2006/main" xmlns:r="http://schemas.openxmlformats.org/officeDocument/2006/relationships" xmlns:p="http://schemas.openxmlformats.org/presentationml/2006/main">
   <p:cSld>
     <p:spTree>
@@ -8600,7 +8103,7 @@
 </p:sld>
 </file>
 
-<file path=ppt/slides/slide9.xml><?xml version="1.0" encoding="utf-8"?>
+<file path=ppt/slides/slide8.xml><?xml version="1.0" encoding="utf-8"?>
 <p:sld xmlns:a="http://schemas.openxmlformats.org/drawingml/2006/main" xmlns:r="http://schemas.openxmlformats.org/officeDocument/2006/relationships" xmlns:p="http://schemas.openxmlformats.org/presentationml/2006/main">
   <p:cSld>
     <p:spTree>

--- a/alexandra_pitch-stage1-v1.pptx
+++ b/alexandra_pitch-stage1-v1.pptx
@@ -3944,7 +3944,7 @@
           <a:lstStyle/>
           <a:p>
             <a:pPr algn="ctr"/>
-            <a:endParaRPr lang="en-US"/>
+            <a:endParaRPr lang="en-US" dirty="0"/>
           </a:p>
         </p:txBody>
       </p:sp>
@@ -4203,6 +4203,41 @@
           <a:xfrm>
             <a:off x="697939" y="404275"/>
             <a:ext cx="632429" cy="585787"/>
+          </a:xfrm>
+          <a:prstGeom prst="rect">
+            <a:avLst/>
+          </a:prstGeom>
+        </p:spPr>
+      </p:pic>
+      <p:pic>
+        <p:nvPicPr>
+          <p:cNvPr id="8" name="Picture 7">
+            <a:extLst>
+              <a:ext uri="{FF2B5EF4-FFF2-40B4-BE49-F238E27FC236}">
+                <a16:creationId xmlns:a16="http://schemas.microsoft.com/office/drawing/2014/main" id="{BF2E1108-C92E-4153-8803-ABCCDC63C2D4}"/>
+              </a:ext>
+            </a:extLst>
+          </p:cNvPr>
+          <p:cNvPicPr>
+            <a:picLocks noChangeAspect="1"/>
+          </p:cNvPicPr>
+          <p:nvPr/>
+        </p:nvPicPr>
+        <p:blipFill rotWithShape="1">
+          <a:blip r:embed="rId8">
+            <a:extLst>
+              <a:ext uri="{28A0092B-C50C-407E-A947-70E740481C1C}">
+                <a14:useLocalDpi xmlns:a14="http://schemas.microsoft.com/office/drawing/2010/main" val="0"/>
+              </a:ext>
+            </a:extLst>
+          </a:blip>
+          <a:srcRect b="14523"/>
+          <a:stretch/>
+        </p:blipFill>
+        <p:spPr>
+          <a:xfrm>
+            <a:off x="2379974" y="2348753"/>
+            <a:ext cx="2499785" cy="2847360"/>
           </a:xfrm>
           <a:prstGeom prst="rect">
             <a:avLst/>
@@ -4897,7 +4932,7 @@
           <p:nvPr/>
         </p:nvPicPr>
         <p:blipFill rotWithShape="1">
-          <a:blip r:embed="rId8">
+          <a:blip r:embed="rId9">
             <a:extLst>
               <a:ext uri="{28A0092B-C50C-407E-A947-70E740481C1C}">
                 <a14:useLocalDpi xmlns:a14="http://schemas.microsoft.com/office/drawing/2010/main" val="0"/>
@@ -4942,7 +4977,7 @@
           <p:nvPr/>
         </p:nvPicPr>
         <p:blipFill>
-          <a:blip r:embed="rId9">
+          <a:blip r:embed="rId10">
             <a:extLst>
               <a:ext uri="{28A0092B-C50C-407E-A947-70E740481C1C}">
                 <a14:useLocalDpi xmlns:a14="http://schemas.microsoft.com/office/drawing/2010/main" val="0"/>
@@ -4969,42 +5004,6 @@
             <a:extLst>
               <a:ext uri="{FF2B5EF4-FFF2-40B4-BE49-F238E27FC236}">
                 <a16:creationId xmlns:a16="http://schemas.microsoft.com/office/drawing/2014/main" id="{DE78DEA9-B0CC-4C5B-B348-D625DC34BADD}"/>
-              </a:ext>
-            </a:extLst>
-          </p:cNvPr>
-          <p:cNvPicPr>
-            <a:picLocks noChangeAspect="1"/>
-          </p:cNvPicPr>
-          <p:nvPr/>
-        </p:nvPicPr>
-        <p:blipFill>
-          <a:blip r:embed="rId10">
-            <a:extLst>
-              <a:ext uri="{28A0092B-C50C-407E-A947-70E740481C1C}">
-                <a14:useLocalDpi xmlns:a14="http://schemas.microsoft.com/office/drawing/2010/main" val="0"/>
-              </a:ext>
-            </a:extLst>
-          </a:blip>
-          <a:stretch>
-            <a:fillRect/>
-          </a:stretch>
-        </p:blipFill>
-        <p:spPr>
-          <a:xfrm>
-            <a:off x="5350824" y="3547217"/>
-            <a:ext cx="1631646" cy="1631646"/>
-          </a:xfrm>
-          <a:prstGeom prst="rect">
-            <a:avLst/>
-          </a:prstGeom>
-        </p:spPr>
-      </p:pic>
-      <p:pic>
-        <p:nvPicPr>
-          <p:cNvPr id="27" name="Picture 26">
-            <a:extLst>
-              <a:ext uri="{FF2B5EF4-FFF2-40B4-BE49-F238E27FC236}">
-                <a16:creationId xmlns:a16="http://schemas.microsoft.com/office/drawing/2014/main" id="{E1B8DC15-804D-4BF2-A238-2653F27920BE}"/>
               </a:ext>
             </a:extLst>
           </p:cNvPr>
@@ -5027,8 +5026,8 @@
         </p:blipFill>
         <p:spPr>
           <a:xfrm>
-            <a:off x="3082053" y="3736858"/>
-            <a:ext cx="1257143" cy="1438095"/>
+            <a:off x="5350824" y="3547217"/>
+            <a:ext cx="1631646" cy="1631646"/>
           </a:xfrm>
           <a:prstGeom prst="rect">
             <a:avLst/>
